--- a/Figure_power.pptx
+++ b/Figure_power.pptx
@@ -5,7 +5,7 @@
     <p:sldMasterId id="2147483648" r:id="rId1"/>
   </p:sldMasterIdLst>
   <p:sldIdLst>
-    <p:sldId id="257" r:id="rId2"/>
+    <p:sldId id="258" r:id="rId2"/>
   </p:sldIdLst>
   <p:sldSz cx="9144000" cy="6858000" type="screen4x3"/>
   <p:notesSz cx="6858000" cy="9144000"/>
@@ -288,7 +288,7 @@
           <a:p>
             <a:fld id="{F93AC945-4931-6C4E-BF51-8F42CA3FE043}" type="datetimeFigureOut">
               <a:rPr lang="en-US" smtClean="0"/>
-              <a:t>17/5/18</a:t>
+              <a:t>15/10/18</a:t>
             </a:fld>
             <a:endParaRPr lang="en-US"/>
           </a:p>
@@ -458,7 +458,7 @@
           <a:p>
             <a:fld id="{F93AC945-4931-6C4E-BF51-8F42CA3FE043}" type="datetimeFigureOut">
               <a:rPr lang="en-US" smtClean="0"/>
-              <a:t>17/5/18</a:t>
+              <a:t>15/10/18</a:t>
             </a:fld>
             <a:endParaRPr lang="en-US"/>
           </a:p>
@@ -638,7 +638,7 @@
           <a:p>
             <a:fld id="{F93AC945-4931-6C4E-BF51-8F42CA3FE043}" type="datetimeFigureOut">
               <a:rPr lang="en-US" smtClean="0"/>
-              <a:t>17/5/18</a:t>
+              <a:t>15/10/18</a:t>
             </a:fld>
             <a:endParaRPr lang="en-US"/>
           </a:p>
@@ -808,7 +808,7 @@
           <a:p>
             <a:fld id="{F93AC945-4931-6C4E-BF51-8F42CA3FE043}" type="datetimeFigureOut">
               <a:rPr lang="en-US" smtClean="0"/>
-              <a:t>17/5/18</a:t>
+              <a:t>15/10/18</a:t>
             </a:fld>
             <a:endParaRPr lang="en-US"/>
           </a:p>
@@ -1054,7 +1054,7 @@
           <a:p>
             <a:fld id="{F93AC945-4931-6C4E-BF51-8F42CA3FE043}" type="datetimeFigureOut">
               <a:rPr lang="en-US" smtClean="0"/>
-              <a:t>17/5/18</a:t>
+              <a:t>15/10/18</a:t>
             </a:fld>
             <a:endParaRPr lang="en-US"/>
           </a:p>
@@ -1342,7 +1342,7 @@
           <a:p>
             <a:fld id="{F93AC945-4931-6C4E-BF51-8F42CA3FE043}" type="datetimeFigureOut">
               <a:rPr lang="en-US" smtClean="0"/>
-              <a:t>17/5/18</a:t>
+              <a:t>15/10/18</a:t>
             </a:fld>
             <a:endParaRPr lang="en-US"/>
           </a:p>
@@ -1764,7 +1764,7 @@
           <a:p>
             <a:fld id="{F93AC945-4931-6C4E-BF51-8F42CA3FE043}" type="datetimeFigureOut">
               <a:rPr lang="en-US" smtClean="0"/>
-              <a:t>17/5/18</a:t>
+              <a:t>15/10/18</a:t>
             </a:fld>
             <a:endParaRPr lang="en-US"/>
           </a:p>
@@ -1882,7 +1882,7 @@
           <a:p>
             <a:fld id="{F93AC945-4931-6C4E-BF51-8F42CA3FE043}" type="datetimeFigureOut">
               <a:rPr lang="en-US" smtClean="0"/>
-              <a:t>17/5/18</a:t>
+              <a:t>15/10/18</a:t>
             </a:fld>
             <a:endParaRPr lang="en-US"/>
           </a:p>
@@ -1977,7 +1977,7 @@
           <a:p>
             <a:fld id="{F93AC945-4931-6C4E-BF51-8F42CA3FE043}" type="datetimeFigureOut">
               <a:rPr lang="en-US" smtClean="0"/>
-              <a:t>17/5/18</a:t>
+              <a:t>15/10/18</a:t>
             </a:fld>
             <a:endParaRPr lang="en-US"/>
           </a:p>
@@ -2254,7 +2254,7 @@
           <a:p>
             <a:fld id="{F93AC945-4931-6C4E-BF51-8F42CA3FE043}" type="datetimeFigureOut">
               <a:rPr lang="en-US" smtClean="0"/>
-              <a:t>17/5/18</a:t>
+              <a:t>15/10/18</a:t>
             </a:fld>
             <a:endParaRPr lang="en-US"/>
           </a:p>
@@ -2507,7 +2507,7 @@
           <a:p>
             <a:fld id="{F93AC945-4931-6C4E-BF51-8F42CA3FE043}" type="datetimeFigureOut">
               <a:rPr lang="en-US" smtClean="0"/>
-              <a:t>17/5/18</a:t>
+              <a:t>15/10/18</a:t>
             </a:fld>
             <a:endParaRPr lang="en-US"/>
           </a:p>
@@ -2720,7 +2720,7 @@
           <a:p>
             <a:fld id="{F93AC945-4931-6C4E-BF51-8F42CA3FE043}" type="datetimeFigureOut">
               <a:rPr lang="en-US" smtClean="0"/>
-              <a:t>17/5/18</a:t>
+              <a:t>15/10/18</a:t>
             </a:fld>
             <a:endParaRPr lang="en-US"/>
           </a:p>
@@ -3127,28 +3127,22 @@
       </p:pic>
       <p:pic>
         <p:nvPicPr>
-          <p:cNvPr id="7" name="Picture 6" descr="time1.eps"/>
+          <p:cNvPr id="2" name="Picture 1"/>
           <p:cNvPicPr>
             <a:picLocks noChangeAspect="1"/>
           </p:cNvPicPr>
           <p:nvPr/>
         </p:nvPicPr>
         <p:blipFill>
-          <a:blip r:embed="rId3">
-            <a:extLst>
-              <a:ext uri="{28A0092B-C50C-407E-A947-70E740481C1C}">
-                <a14:useLocalDpi xmlns:a14="http://schemas.microsoft.com/office/drawing/2010/main" val="0"/>
-              </a:ext>
-            </a:extLst>
-          </a:blip>
+          <a:blip r:embed="rId3"/>
           <a:stretch>
             <a:fillRect/>
           </a:stretch>
         </p:blipFill>
         <p:spPr>
           <a:xfrm>
-            <a:off x="0" y="-939800"/>
-            <a:ext cx="5039999" cy="6522352"/>
+            <a:off x="88900" y="106996"/>
+            <a:ext cx="4655024" cy="3840395"/>
           </a:xfrm>
           <a:prstGeom prst="rect">
             <a:avLst/>
@@ -3157,28 +3151,22 @@
       </p:pic>
       <p:pic>
         <p:nvPicPr>
-          <p:cNvPr id="9" name="Picture 8" descr="time2.eps"/>
+          <p:cNvPr id="3" name="Picture 2"/>
           <p:cNvPicPr>
             <a:picLocks noChangeAspect="1"/>
           </p:cNvPicPr>
           <p:nvPr/>
         </p:nvPicPr>
         <p:blipFill>
-          <a:blip r:embed="rId4">
-            <a:extLst>
-              <a:ext uri="{28A0092B-C50C-407E-A947-70E740481C1C}">
-                <a14:useLocalDpi xmlns:a14="http://schemas.microsoft.com/office/drawing/2010/main" val="0"/>
-              </a:ext>
-            </a:extLst>
-          </a:blip>
+          <a:blip r:embed="rId4"/>
           <a:stretch>
             <a:fillRect/>
           </a:stretch>
         </p:blipFill>
         <p:spPr>
           <a:xfrm>
-            <a:off x="4283968" y="-963488"/>
-            <a:ext cx="5039999" cy="6522352"/>
+            <a:off x="4546602" y="239395"/>
+            <a:ext cx="4494536" cy="3707996"/>
           </a:xfrm>
           <a:prstGeom prst="rect">
             <a:avLst/>
@@ -3188,7 +3176,7 @@
     </p:spTree>
     <p:extLst>
       <p:ext uri="{BB962C8B-B14F-4D97-AF65-F5344CB8AC3E}">
-        <p14:creationId xmlns:p14="http://schemas.microsoft.com/office/powerpoint/2010/main" val="728497617"/>
+        <p14:creationId xmlns:p14="http://schemas.microsoft.com/office/powerpoint/2010/main" val="518983599"/>
       </p:ext>
     </p:extLst>
   </p:cSld>

--- a/Figure_power.pptx
+++ b/Figure_power.pptx
@@ -6,6 +6,7 @@
   </p:sldMasterIdLst>
   <p:sldIdLst>
     <p:sldId id="258" r:id="rId2"/>
+    <p:sldId id="260" r:id="rId3"/>
   </p:sldIdLst>
   <p:sldSz cx="9144000" cy="6858000" type="screen4x3"/>
   <p:notesSz cx="6858000" cy="9144000"/>
@@ -288,7 +289,7 @@
           <a:p>
             <a:fld id="{F93AC945-4931-6C4E-BF51-8F42CA3FE043}" type="datetimeFigureOut">
               <a:rPr lang="en-US" smtClean="0"/>
-              <a:t>15/10/18</a:t>
+              <a:t>13/11/18</a:t>
             </a:fld>
             <a:endParaRPr lang="en-US"/>
           </a:p>
@@ -458,7 +459,7 @@
           <a:p>
             <a:fld id="{F93AC945-4931-6C4E-BF51-8F42CA3FE043}" type="datetimeFigureOut">
               <a:rPr lang="en-US" smtClean="0"/>
-              <a:t>15/10/18</a:t>
+              <a:t>13/11/18</a:t>
             </a:fld>
             <a:endParaRPr lang="en-US"/>
           </a:p>
@@ -638,7 +639,7 @@
           <a:p>
             <a:fld id="{F93AC945-4931-6C4E-BF51-8F42CA3FE043}" type="datetimeFigureOut">
               <a:rPr lang="en-US" smtClean="0"/>
-              <a:t>15/10/18</a:t>
+              <a:t>13/11/18</a:t>
             </a:fld>
             <a:endParaRPr lang="en-US"/>
           </a:p>
@@ -808,7 +809,7 @@
           <a:p>
             <a:fld id="{F93AC945-4931-6C4E-BF51-8F42CA3FE043}" type="datetimeFigureOut">
               <a:rPr lang="en-US" smtClean="0"/>
-              <a:t>15/10/18</a:t>
+              <a:t>13/11/18</a:t>
             </a:fld>
             <a:endParaRPr lang="en-US"/>
           </a:p>
@@ -1054,7 +1055,7 @@
           <a:p>
             <a:fld id="{F93AC945-4931-6C4E-BF51-8F42CA3FE043}" type="datetimeFigureOut">
               <a:rPr lang="en-US" smtClean="0"/>
-              <a:t>15/10/18</a:t>
+              <a:t>13/11/18</a:t>
             </a:fld>
             <a:endParaRPr lang="en-US"/>
           </a:p>
@@ -1342,7 +1343,7 @@
           <a:p>
             <a:fld id="{F93AC945-4931-6C4E-BF51-8F42CA3FE043}" type="datetimeFigureOut">
               <a:rPr lang="en-US" smtClean="0"/>
-              <a:t>15/10/18</a:t>
+              <a:t>13/11/18</a:t>
             </a:fld>
             <a:endParaRPr lang="en-US"/>
           </a:p>
@@ -1764,7 +1765,7 @@
           <a:p>
             <a:fld id="{F93AC945-4931-6C4E-BF51-8F42CA3FE043}" type="datetimeFigureOut">
               <a:rPr lang="en-US" smtClean="0"/>
-              <a:t>15/10/18</a:t>
+              <a:t>13/11/18</a:t>
             </a:fld>
             <a:endParaRPr lang="en-US"/>
           </a:p>
@@ -1882,7 +1883,7 @@
           <a:p>
             <a:fld id="{F93AC945-4931-6C4E-BF51-8F42CA3FE043}" type="datetimeFigureOut">
               <a:rPr lang="en-US" smtClean="0"/>
-              <a:t>15/10/18</a:t>
+              <a:t>13/11/18</a:t>
             </a:fld>
             <a:endParaRPr lang="en-US"/>
           </a:p>
@@ -1977,7 +1978,7 @@
           <a:p>
             <a:fld id="{F93AC945-4931-6C4E-BF51-8F42CA3FE043}" type="datetimeFigureOut">
               <a:rPr lang="en-US" smtClean="0"/>
-              <a:t>15/10/18</a:t>
+              <a:t>13/11/18</a:t>
             </a:fld>
             <a:endParaRPr lang="en-US"/>
           </a:p>
@@ -2254,7 +2255,7 @@
           <a:p>
             <a:fld id="{F93AC945-4931-6C4E-BF51-8F42CA3FE043}" type="datetimeFigureOut">
               <a:rPr lang="en-US" smtClean="0"/>
-              <a:t>15/10/18</a:t>
+              <a:t>13/11/18</a:t>
             </a:fld>
             <a:endParaRPr lang="en-US"/>
           </a:p>
@@ -2507,7 +2508,7 @@
           <a:p>
             <a:fld id="{F93AC945-4931-6C4E-BF51-8F42CA3FE043}" type="datetimeFigureOut">
               <a:rPr lang="en-US" smtClean="0"/>
-              <a:t>15/10/18</a:t>
+              <a:t>13/11/18</a:t>
             </a:fld>
             <a:endParaRPr lang="en-US"/>
           </a:p>
@@ -2720,7 +2721,7 @@
           <a:p>
             <a:fld id="{F93AC945-4931-6C4E-BF51-8F42CA3FE043}" type="datetimeFigureOut">
               <a:rPr lang="en-US" smtClean="0"/>
-              <a:t>15/10/18</a:t>
+              <a:t>13/11/18</a:t>
             </a:fld>
             <a:endParaRPr lang="en-US"/>
           </a:p>
@@ -3116,9 +3117,33 @@
           </a:stretch>
         </p:blipFill>
         <p:spPr>
+          <a:xfrm rot="16200000">
+            <a:off x="-2054229" y="-730893"/>
+            <a:ext cx="9736363" cy="12599995"/>
+          </a:xfrm>
+          <a:prstGeom prst="rect">
+            <a:avLst/>
+          </a:prstGeom>
+        </p:spPr>
+      </p:pic>
+      <p:pic>
+        <p:nvPicPr>
+          <p:cNvPr id="3" name="Picture 2"/>
+          <p:cNvPicPr>
+            <a:picLocks noChangeAspect="1"/>
+          </p:cNvPicPr>
+          <p:nvPr/>
+        </p:nvPicPr>
+        <p:blipFill>
+          <a:blip r:embed="rId3"/>
+          <a:stretch>
+            <a:fillRect/>
+          </a:stretch>
+        </p:blipFill>
+        <p:spPr>
           <a:xfrm>
-            <a:off x="-1635129" y="-1048393"/>
-            <a:ext cx="9736363" cy="12599995"/>
+            <a:off x="4445002" y="0"/>
+            <a:ext cx="4902198" cy="4044317"/>
           </a:xfrm>
           <a:prstGeom prst="rect">
             <a:avLst/>
@@ -3134,30 +3159,6 @@
           <p:nvPr/>
         </p:nvPicPr>
         <p:blipFill>
-          <a:blip r:embed="rId3"/>
-          <a:stretch>
-            <a:fillRect/>
-          </a:stretch>
-        </p:blipFill>
-        <p:spPr>
-          <a:xfrm>
-            <a:off x="88900" y="106996"/>
-            <a:ext cx="4655024" cy="3840395"/>
-          </a:xfrm>
-          <a:prstGeom prst="rect">
-            <a:avLst/>
-          </a:prstGeom>
-        </p:spPr>
-      </p:pic>
-      <p:pic>
-        <p:nvPicPr>
-          <p:cNvPr id="3" name="Picture 2"/>
-          <p:cNvPicPr>
-            <a:picLocks noChangeAspect="1"/>
-          </p:cNvPicPr>
-          <p:nvPr/>
-        </p:nvPicPr>
-        <p:blipFill>
           <a:blip r:embed="rId4"/>
           <a:stretch>
             <a:fillRect/>
@@ -3165,8 +3166,8 @@
         </p:blipFill>
         <p:spPr>
           <a:xfrm>
-            <a:off x="4546602" y="239395"/>
-            <a:ext cx="4494536" cy="3707996"/>
+            <a:off x="0" y="0"/>
+            <a:ext cx="5130800" cy="4232910"/>
           </a:xfrm>
           <a:prstGeom prst="rect">
             <a:avLst/>
@@ -3177,6 +3178,133 @@
     <p:extLst>
       <p:ext uri="{BB962C8B-B14F-4D97-AF65-F5344CB8AC3E}">
         <p14:creationId xmlns:p14="http://schemas.microsoft.com/office/powerpoint/2010/main" val="518983599"/>
+      </p:ext>
+    </p:extLst>
+  </p:cSld>
+  <p:clrMapOvr>
+    <a:masterClrMapping/>
+  </p:clrMapOvr>
+  <p:timing>
+    <p:tnLst>
+      <p:par>
+        <p:cTn xmlns:p14="http://schemas.microsoft.com/office/powerpoint/2010/main" id="1" dur="indefinite" restart="never" nodeType="tmRoot"/>
+      </p:par>
+    </p:tnLst>
+  </p:timing>
+</p:sld>
+</file>
+
+<file path=ppt/slides/slide2.xml><?xml version="1.0" encoding="utf-8"?>
+<p:sld xmlns:a="http://schemas.openxmlformats.org/drawingml/2006/main" xmlns:r="http://schemas.openxmlformats.org/officeDocument/2006/relationships" xmlns:p="http://schemas.openxmlformats.org/presentationml/2006/main">
+  <p:cSld>
+    <p:spTree>
+      <p:nvGrpSpPr>
+        <p:cNvPr id="1" name=""/>
+        <p:cNvGrpSpPr/>
+        <p:nvPr/>
+      </p:nvGrpSpPr>
+      <p:grpSpPr>
+        <a:xfrm>
+          <a:off x="0" y="0"/>
+          <a:ext cx="0" cy="0"/>
+          <a:chOff x="0" y="0"/>
+          <a:chExt cx="0" cy="0"/>
+        </a:xfrm>
+      </p:grpSpPr>
+      <p:pic>
+        <p:nvPicPr>
+          <p:cNvPr id="18" name="Picture 17" descr="Rplot02.jpeg"/>
+          <p:cNvPicPr>
+            <a:picLocks noChangeAspect="1"/>
+          </p:cNvPicPr>
+          <p:nvPr/>
+        </p:nvPicPr>
+        <p:blipFill>
+          <a:blip r:embed="rId2">
+            <a:extLst>
+              <a:ext uri="{28A0092B-C50C-407E-A947-70E740481C1C}">
+                <a14:useLocalDpi xmlns:a14="http://schemas.microsoft.com/office/drawing/2010/main" val="0"/>
+              </a:ext>
+            </a:extLst>
+          </a:blip>
+          <a:stretch>
+            <a:fillRect/>
+          </a:stretch>
+        </p:blipFill>
+        <p:spPr>
+          <a:xfrm>
+            <a:off x="0" y="3434976"/>
+            <a:ext cx="5300980" cy="3118224"/>
+          </a:xfrm>
+          <a:prstGeom prst="rect">
+            <a:avLst/>
+          </a:prstGeom>
+        </p:spPr>
+      </p:pic>
+      <p:pic>
+        <p:nvPicPr>
+          <p:cNvPr id="19" name="Picture 18" descr="Rplot03.jpeg"/>
+          <p:cNvPicPr>
+            <a:picLocks noChangeAspect="1"/>
+          </p:cNvPicPr>
+          <p:nvPr/>
+        </p:nvPicPr>
+        <p:blipFill>
+          <a:blip r:embed="rId3">
+            <a:extLst>
+              <a:ext uri="{28A0092B-C50C-407E-A947-70E740481C1C}">
+                <a14:useLocalDpi xmlns:a14="http://schemas.microsoft.com/office/drawing/2010/main" val="0"/>
+              </a:ext>
+            </a:extLst>
+          </a:blip>
+          <a:stretch>
+            <a:fillRect/>
+          </a:stretch>
+        </p:blipFill>
+        <p:spPr>
+          <a:xfrm>
+            <a:off x="0" y="0"/>
+            <a:ext cx="5328000" cy="3134118"/>
+          </a:xfrm>
+          <a:prstGeom prst="rect">
+            <a:avLst/>
+          </a:prstGeom>
+        </p:spPr>
+      </p:pic>
+      <p:pic>
+        <p:nvPicPr>
+          <p:cNvPr id="20" name="Picture 19" descr="Table2_times.pdf"/>
+          <p:cNvPicPr>
+            <a:picLocks noChangeAspect="1"/>
+          </p:cNvPicPr>
+          <p:nvPr/>
+        </p:nvPicPr>
+        <p:blipFill>
+          <a:blip r:embed="rId4">
+            <a:extLst>
+              <a:ext uri="{28A0092B-C50C-407E-A947-70E740481C1C}">
+                <a14:useLocalDpi xmlns:a14="http://schemas.microsoft.com/office/drawing/2010/main" val="0"/>
+              </a:ext>
+            </a:extLst>
+          </a:blip>
+          <a:stretch>
+            <a:fillRect/>
+          </a:stretch>
+        </p:blipFill>
+        <p:spPr>
+          <a:xfrm rot="16200000">
+            <a:off x="2327271" y="-1734193"/>
+            <a:ext cx="9736363" cy="12599995"/>
+          </a:xfrm>
+          <a:prstGeom prst="rect">
+            <a:avLst/>
+          </a:prstGeom>
+        </p:spPr>
+      </p:pic>
+    </p:spTree>
+    <p:extLst>
+      <p:ext uri="{BB962C8B-B14F-4D97-AF65-F5344CB8AC3E}">
+        <p14:creationId xmlns:p14="http://schemas.microsoft.com/office/powerpoint/2010/main" val="3115360079"/>
       </p:ext>
     </p:extLst>
   </p:cSld>

--- a/Figure_power.pptx
+++ b/Figure_power.pptx
@@ -7,6 +7,7 @@
   <p:sldIdLst>
     <p:sldId id="258" r:id="rId2"/>
     <p:sldId id="260" r:id="rId3"/>
+    <p:sldId id="261" r:id="rId4"/>
   </p:sldIdLst>
   <p:sldSz cx="9144000" cy="6858000" type="screen4x3"/>
   <p:notesSz cx="6858000" cy="9144000"/>
@@ -289,7 +290,7 @@
           <a:p>
             <a:fld id="{F93AC945-4931-6C4E-BF51-8F42CA3FE043}" type="datetimeFigureOut">
               <a:rPr lang="en-US" smtClean="0"/>
-              <a:t>13/11/18</a:t>
+              <a:t>15/11/18</a:t>
             </a:fld>
             <a:endParaRPr lang="en-US"/>
           </a:p>
@@ -459,7 +460,7 @@
           <a:p>
             <a:fld id="{F93AC945-4931-6C4E-BF51-8F42CA3FE043}" type="datetimeFigureOut">
               <a:rPr lang="en-US" smtClean="0"/>
-              <a:t>13/11/18</a:t>
+              <a:t>15/11/18</a:t>
             </a:fld>
             <a:endParaRPr lang="en-US"/>
           </a:p>
@@ -639,7 +640,7 @@
           <a:p>
             <a:fld id="{F93AC945-4931-6C4E-BF51-8F42CA3FE043}" type="datetimeFigureOut">
               <a:rPr lang="en-US" smtClean="0"/>
-              <a:t>13/11/18</a:t>
+              <a:t>15/11/18</a:t>
             </a:fld>
             <a:endParaRPr lang="en-US"/>
           </a:p>
@@ -809,7 +810,7 @@
           <a:p>
             <a:fld id="{F93AC945-4931-6C4E-BF51-8F42CA3FE043}" type="datetimeFigureOut">
               <a:rPr lang="en-US" smtClean="0"/>
-              <a:t>13/11/18</a:t>
+              <a:t>15/11/18</a:t>
             </a:fld>
             <a:endParaRPr lang="en-US"/>
           </a:p>
@@ -1055,7 +1056,7 @@
           <a:p>
             <a:fld id="{F93AC945-4931-6C4E-BF51-8F42CA3FE043}" type="datetimeFigureOut">
               <a:rPr lang="en-US" smtClean="0"/>
-              <a:t>13/11/18</a:t>
+              <a:t>15/11/18</a:t>
             </a:fld>
             <a:endParaRPr lang="en-US"/>
           </a:p>
@@ -1343,7 +1344,7 @@
           <a:p>
             <a:fld id="{F93AC945-4931-6C4E-BF51-8F42CA3FE043}" type="datetimeFigureOut">
               <a:rPr lang="en-US" smtClean="0"/>
-              <a:t>13/11/18</a:t>
+              <a:t>15/11/18</a:t>
             </a:fld>
             <a:endParaRPr lang="en-US"/>
           </a:p>
@@ -1765,7 +1766,7 @@
           <a:p>
             <a:fld id="{F93AC945-4931-6C4E-BF51-8F42CA3FE043}" type="datetimeFigureOut">
               <a:rPr lang="en-US" smtClean="0"/>
-              <a:t>13/11/18</a:t>
+              <a:t>15/11/18</a:t>
             </a:fld>
             <a:endParaRPr lang="en-US"/>
           </a:p>
@@ -1883,7 +1884,7 @@
           <a:p>
             <a:fld id="{F93AC945-4931-6C4E-BF51-8F42CA3FE043}" type="datetimeFigureOut">
               <a:rPr lang="en-US" smtClean="0"/>
-              <a:t>13/11/18</a:t>
+              <a:t>15/11/18</a:t>
             </a:fld>
             <a:endParaRPr lang="en-US"/>
           </a:p>
@@ -1978,7 +1979,7 @@
           <a:p>
             <a:fld id="{F93AC945-4931-6C4E-BF51-8F42CA3FE043}" type="datetimeFigureOut">
               <a:rPr lang="en-US" smtClean="0"/>
-              <a:t>13/11/18</a:t>
+              <a:t>15/11/18</a:t>
             </a:fld>
             <a:endParaRPr lang="en-US"/>
           </a:p>
@@ -2255,7 +2256,7 @@
           <a:p>
             <a:fld id="{F93AC945-4931-6C4E-BF51-8F42CA3FE043}" type="datetimeFigureOut">
               <a:rPr lang="en-US" smtClean="0"/>
-              <a:t>13/11/18</a:t>
+              <a:t>15/11/18</a:t>
             </a:fld>
             <a:endParaRPr lang="en-US"/>
           </a:p>
@@ -2508,7 +2509,7 @@
           <a:p>
             <a:fld id="{F93AC945-4931-6C4E-BF51-8F42CA3FE043}" type="datetimeFigureOut">
               <a:rPr lang="en-US" smtClean="0"/>
-              <a:t>13/11/18</a:t>
+              <a:t>15/11/18</a:t>
             </a:fld>
             <a:endParaRPr lang="en-US"/>
           </a:p>
@@ -2721,7 +2722,7 @@
           <a:p>
             <a:fld id="{F93AC945-4931-6C4E-BF51-8F42CA3FE043}" type="datetimeFigureOut">
               <a:rPr lang="en-US" smtClean="0"/>
-              <a:t>13/11/18</a:t>
+              <a:t>15/11/18</a:t>
             </a:fld>
             <a:endParaRPr lang="en-US"/>
           </a:p>
@@ -3117,8 +3118,8 @@
           </a:stretch>
         </p:blipFill>
         <p:spPr>
-          <a:xfrm rot="16200000">
-            <a:off x="-2054229" y="-730893"/>
+          <a:xfrm>
+            <a:off x="-6334129" y="2367907"/>
             <a:ext cx="9736363" cy="12599995"/>
           </a:xfrm>
           <a:prstGeom prst="rect">
@@ -3174,6 +3175,1206 @@
           </a:prstGeom>
         </p:spPr>
       </p:pic>
+      <p:graphicFrame>
+        <p:nvGraphicFramePr>
+          <p:cNvPr id="5" name="Table 4"/>
+          <p:cNvGraphicFramePr>
+            <a:graphicFrameLocks noGrp="1"/>
+          </p:cNvGraphicFramePr>
+          <p:nvPr>
+            <p:extLst>
+              <p:ext uri="{D42A27DB-BD31-4B8C-83A1-F6EECF244321}">
+                <p14:modId xmlns:p14="http://schemas.microsoft.com/office/powerpoint/2010/main" val="3105655591"/>
+              </p:ext>
+            </p:extLst>
+          </p:nvPr>
+        </p:nvGraphicFramePr>
+        <p:xfrm>
+          <a:off x="1524000" y="1397000"/>
+          <a:ext cx="7950200" cy="3106057"/>
+        </p:xfrm>
+        <a:graphic>
+          <a:graphicData uri="http://schemas.openxmlformats.org/drawingml/2006/table">
+            <a:tbl>
+              <a:tblPr firstRow="1" bandRow="1">
+                <a:tableStyleId>{5C22544A-7EE6-4342-B048-85BDC9FD1C3A}</a:tableStyleId>
+              </a:tblPr>
+              <a:tblGrid>
+                <a:gridCol w="993775"/>
+                <a:gridCol w="993775"/>
+                <a:gridCol w="755650"/>
+                <a:gridCol w="1231900"/>
+                <a:gridCol w="993775"/>
+                <a:gridCol w="993775"/>
+                <a:gridCol w="993775"/>
+                <a:gridCol w="993775"/>
+              </a:tblGrid>
+              <a:tr h="362857">
+                <a:tc>
+                  <a:txBody>
+                    <a:bodyPr/>
+                    <a:lstStyle/>
+                    <a:p>
+                      <a:r>
+                        <a:rPr lang="en-US" sz="1200" dirty="0" smtClean="0"/>
+                        <a:t>Method</a:t>
+                      </a:r>
+                      <a:endParaRPr lang="en-US" sz="1200" dirty="0"/>
+                    </a:p>
+                  </a:txBody>
+                  <a:tcPr/>
+                </a:tc>
+                <a:tc>
+                  <a:txBody>
+                    <a:bodyPr/>
+                    <a:lstStyle/>
+                    <a:p>
+                      <a:r>
+                        <a:rPr lang="en-US" sz="1200" dirty="0" smtClean="0"/>
+                        <a:t>Name</a:t>
+                      </a:r>
+                      <a:endParaRPr lang="en-US" sz="1200" dirty="0"/>
+                    </a:p>
+                  </a:txBody>
+                  <a:tcPr/>
+                </a:tc>
+                <a:tc>
+                  <a:txBody>
+                    <a:bodyPr/>
+                    <a:lstStyle/>
+                    <a:p>
+                      <a:r>
+                        <a:rPr lang="en-US" sz="1200" dirty="0" smtClean="0"/>
+                        <a:t>150x5K</a:t>
+                      </a:r>
+                      <a:endParaRPr lang="en-US" sz="1200" dirty="0"/>
+                    </a:p>
+                  </a:txBody>
+                  <a:tcPr/>
+                </a:tc>
+                <a:tc>
+                  <a:txBody>
+                    <a:bodyPr/>
+                    <a:lstStyle/>
+                    <a:p>
+                      <a:r>
+                        <a:rPr lang="en-US" sz="1200" dirty="0" smtClean="0"/>
+                        <a:t>1500x50K</a:t>
+                      </a:r>
+                      <a:endParaRPr lang="en-US" sz="1200" dirty="0"/>
+                    </a:p>
+                  </a:txBody>
+                  <a:tcPr/>
+                </a:tc>
+                <a:tc>
+                  <a:txBody>
+                    <a:bodyPr/>
+                    <a:lstStyle/>
+                    <a:p>
+                      <a:r>
+                        <a:rPr lang="en-US" sz="1200" dirty="0" smtClean="0"/>
+                        <a:t>350x400K</a:t>
+                      </a:r>
+                      <a:endParaRPr lang="en-US" sz="1200" dirty="0"/>
+                    </a:p>
+                  </a:txBody>
+                  <a:tcPr/>
+                </a:tc>
+                <a:tc>
+                  <a:txBody>
+                    <a:bodyPr/>
+                    <a:lstStyle/>
+                    <a:p>
+                      <a:r>
+                        <a:rPr lang="en-US" sz="1200" dirty="0" smtClean="0"/>
+                        <a:t>2000x500K</a:t>
+                      </a:r>
+                      <a:endParaRPr lang="en-US" sz="1200" dirty="0"/>
+                    </a:p>
+                  </a:txBody>
+                  <a:tcPr/>
+                </a:tc>
+                <a:tc>
+                  <a:txBody>
+                    <a:bodyPr/>
+                    <a:lstStyle/>
+                    <a:p>
+                      <a:r>
+                        <a:rPr lang="en-US" sz="1200" dirty="0" smtClean="0"/>
+                        <a:t>4000x1.5M</a:t>
+                      </a:r>
+                      <a:endParaRPr lang="en-US" sz="1200" dirty="0"/>
+                    </a:p>
+                  </a:txBody>
+                  <a:tcPr/>
+                </a:tc>
+                <a:tc>
+                  <a:txBody>
+                    <a:bodyPr/>
+                    <a:lstStyle/>
+                    <a:p>
+                      <a:r>
+                        <a:rPr lang="en-US" sz="1200" dirty="0" smtClean="0"/>
+                        <a:t>10000x1.5M</a:t>
+                      </a:r>
+                      <a:endParaRPr lang="en-US" sz="1200" dirty="0"/>
+                    </a:p>
+                  </a:txBody>
+                  <a:tcPr/>
+                </a:tc>
+              </a:tr>
+              <a:tr h="217714">
+                <a:tc>
+                  <a:txBody>
+                    <a:bodyPr/>
+                    <a:lstStyle/>
+                    <a:p>
+                      <a:r>
+                        <a:rPr lang="en-US" sz="1200" dirty="0" smtClean="0"/>
+                        <a:t>Multiple</a:t>
+                      </a:r>
+                      <a:endParaRPr lang="en-US" sz="1200" dirty="0"/>
+                    </a:p>
+                  </a:txBody>
+                  <a:tcPr/>
+                </a:tc>
+                <a:tc>
+                  <a:txBody>
+                    <a:bodyPr/>
+                    <a:lstStyle/>
+                    <a:p>
+                      <a:r>
+                        <a:rPr lang="en-US" sz="1200" dirty="0" smtClean="0"/>
+                        <a:t>Eagle</a:t>
+                      </a:r>
+                      <a:endParaRPr lang="en-US" sz="1200" dirty="0"/>
+                    </a:p>
+                  </a:txBody>
+                  <a:tcPr/>
+                </a:tc>
+                <a:tc>
+                  <a:txBody>
+                    <a:bodyPr/>
+                    <a:lstStyle/>
+                    <a:p>
+                      <a:r>
+                        <a:rPr lang="en-US" sz="1200" dirty="0" smtClean="0"/>
+                        <a:t>0.08</a:t>
+                      </a:r>
+                      <a:endParaRPr lang="en-US" sz="1200" dirty="0"/>
+                    </a:p>
+                  </a:txBody>
+                  <a:tcPr/>
+                </a:tc>
+                <a:tc>
+                  <a:txBody>
+                    <a:bodyPr/>
+                    <a:lstStyle/>
+                    <a:p>
+                      <a:r>
+                        <a:rPr lang="en-US" sz="1200" dirty="0" smtClean="0"/>
+                        <a:t>1.62</a:t>
+                      </a:r>
+                      <a:endParaRPr lang="en-US" sz="1200" dirty="0"/>
+                    </a:p>
+                  </a:txBody>
+                  <a:tcPr/>
+                </a:tc>
+                <a:tc>
+                  <a:txBody>
+                    <a:bodyPr/>
+                    <a:lstStyle/>
+                    <a:p>
+                      <a:r>
+                        <a:rPr lang="en-US" sz="1200" dirty="0" smtClean="0"/>
+                        <a:t>2.71</a:t>
+                      </a:r>
+                      <a:endParaRPr lang="en-US" sz="1200" dirty="0"/>
+                    </a:p>
+                  </a:txBody>
+                  <a:tcPr/>
+                </a:tc>
+                <a:tc>
+                  <a:txBody>
+                    <a:bodyPr/>
+                    <a:lstStyle/>
+                    <a:p>
+                      <a:r>
+                        <a:rPr lang="en-US" sz="1200" dirty="0" smtClean="0"/>
+                        <a:t>13.65</a:t>
+                      </a:r>
+                      <a:endParaRPr lang="en-US" sz="1200" dirty="0"/>
+                    </a:p>
+                  </a:txBody>
+                  <a:tcPr/>
+                </a:tc>
+                <a:tc>
+                  <a:txBody>
+                    <a:bodyPr/>
+                    <a:lstStyle/>
+                    <a:p>
+                      <a:r>
+                        <a:rPr lang="en-US" sz="1200" dirty="0" smtClean="0"/>
+                        <a:t>127.63</a:t>
+                      </a:r>
+                      <a:endParaRPr lang="en-US" sz="1200" dirty="0"/>
+                    </a:p>
+                  </a:txBody>
+                  <a:tcPr/>
+                </a:tc>
+                <a:tc>
+                  <a:txBody>
+                    <a:bodyPr/>
+                    <a:lstStyle/>
+                    <a:p>
+                      <a:r>
+                        <a:rPr lang="en-US" sz="1200" dirty="0" smtClean="0"/>
+                        <a:t>699.55</a:t>
+                      </a:r>
+                      <a:endParaRPr lang="en-US" sz="1200" dirty="0"/>
+                    </a:p>
+                  </a:txBody>
+                  <a:tcPr/>
+                </a:tc>
+              </a:tr>
+              <a:tr h="217714">
+                <a:tc>
+                  <a:txBody>
+                    <a:bodyPr/>
+                    <a:lstStyle/>
+                    <a:p>
+                      <a:endParaRPr lang="en-US" sz="1200" dirty="0"/>
+                    </a:p>
+                  </a:txBody>
+                  <a:tcPr/>
+                </a:tc>
+                <a:tc>
+                  <a:txBody>
+                    <a:bodyPr/>
+                    <a:lstStyle/>
+                    <a:p>
+                      <a:r>
+                        <a:rPr lang="en-US" sz="1200" dirty="0" smtClean="0"/>
+                        <a:t>MLMM</a:t>
+                      </a:r>
+                      <a:endParaRPr lang="en-US" sz="1200" dirty="0"/>
+                    </a:p>
+                  </a:txBody>
+                  <a:tcPr/>
+                </a:tc>
+                <a:tc>
+                  <a:txBody>
+                    <a:bodyPr/>
+                    <a:lstStyle/>
+                    <a:p>
+                      <a:r>
+                        <a:rPr lang="en-US" sz="1200" dirty="0" smtClean="0"/>
+                        <a:t>0.15</a:t>
+                      </a:r>
+                      <a:endParaRPr lang="en-US" sz="1200" dirty="0"/>
+                    </a:p>
+                  </a:txBody>
+                  <a:tcPr/>
+                </a:tc>
+                <a:tc>
+                  <a:txBody>
+                    <a:bodyPr/>
+                    <a:lstStyle/>
+                    <a:p>
+                      <a:r>
+                        <a:rPr lang="en-US" sz="1200" dirty="0" smtClean="0"/>
+                        <a:t>2.91</a:t>
+                      </a:r>
+                      <a:endParaRPr lang="en-US" sz="1200" dirty="0"/>
+                    </a:p>
+                  </a:txBody>
+                  <a:tcPr/>
+                </a:tc>
+                <a:tc>
+                  <a:txBody>
+                    <a:bodyPr/>
+                    <a:lstStyle/>
+                    <a:p>
+                      <a:r>
+                        <a:rPr lang="en-US" sz="1200" dirty="0" smtClean="0"/>
+                        <a:t>19.04</a:t>
+                      </a:r>
+                      <a:endParaRPr lang="en-US" sz="1200" dirty="0"/>
+                    </a:p>
+                  </a:txBody>
+                  <a:tcPr/>
+                </a:tc>
+                <a:tc>
+                  <a:txBody>
+                    <a:bodyPr/>
+                    <a:lstStyle/>
+                    <a:p>
+                      <a:r>
+                        <a:rPr lang="en-US" sz="1200" dirty="0" smtClean="0"/>
+                        <a:t>143.01</a:t>
+                      </a:r>
+                      <a:endParaRPr lang="en-US" sz="1200" dirty="0"/>
+                    </a:p>
+                  </a:txBody>
+                  <a:tcPr/>
+                </a:tc>
+                <a:tc>
+                  <a:txBody>
+                    <a:bodyPr/>
+                    <a:lstStyle/>
+                    <a:p>
+                      <a:r>
+                        <a:rPr lang="en-US" sz="1200" dirty="0" smtClean="0"/>
+                        <a:t>870.84</a:t>
+                      </a:r>
+                      <a:endParaRPr lang="en-US" sz="1200" dirty="0"/>
+                    </a:p>
+                  </a:txBody>
+                  <a:tcPr/>
+                </a:tc>
+                <a:tc>
+                  <a:txBody>
+                    <a:bodyPr/>
+                    <a:lstStyle/>
+                    <a:p>
+                      <a:endParaRPr lang="en-US" sz="1200"/>
+                    </a:p>
+                  </a:txBody>
+                  <a:tcPr/>
+                </a:tc>
+              </a:tr>
+              <a:tr h="217714">
+                <a:tc>
+                  <a:txBody>
+                    <a:bodyPr/>
+                    <a:lstStyle/>
+                    <a:p>
+                      <a:endParaRPr lang="en-US" sz="1200" dirty="0"/>
+                    </a:p>
+                  </a:txBody>
+                  <a:tcPr/>
+                </a:tc>
+                <a:tc>
+                  <a:txBody>
+                    <a:bodyPr/>
+                    <a:lstStyle/>
+                    <a:p>
+                      <a:r>
+                        <a:rPr lang="en-US" sz="1200" dirty="0" err="1" smtClean="0"/>
+                        <a:t>glmnet</a:t>
+                      </a:r>
+                      <a:endParaRPr lang="en-US" sz="1200" dirty="0"/>
+                    </a:p>
+                  </a:txBody>
+                  <a:tcPr/>
+                </a:tc>
+                <a:tc>
+                  <a:txBody>
+                    <a:bodyPr/>
+                    <a:lstStyle/>
+                    <a:p>
+                      <a:r>
+                        <a:rPr lang="en-US" sz="1200" dirty="0" smtClean="0"/>
+                        <a:t>0.11</a:t>
+                      </a:r>
+                      <a:endParaRPr lang="en-US" sz="1200" dirty="0"/>
+                    </a:p>
+                  </a:txBody>
+                  <a:tcPr/>
+                </a:tc>
+                <a:tc>
+                  <a:txBody>
+                    <a:bodyPr/>
+                    <a:lstStyle/>
+                    <a:p>
+                      <a:r>
+                        <a:rPr lang="en-US" sz="1200" dirty="0" smtClean="0"/>
+                        <a:t>3.95</a:t>
+                      </a:r>
+                      <a:endParaRPr lang="en-US" sz="1200" dirty="0"/>
+                    </a:p>
+                  </a:txBody>
+                  <a:tcPr/>
+                </a:tc>
+                <a:tc>
+                  <a:txBody>
+                    <a:bodyPr/>
+                    <a:lstStyle/>
+                    <a:p>
+                      <a:r>
+                        <a:rPr lang="en-US" sz="1200" dirty="0" smtClean="0"/>
+                        <a:t>14.06</a:t>
+                      </a:r>
+                      <a:endParaRPr lang="en-US" sz="1200" dirty="0"/>
+                    </a:p>
+                  </a:txBody>
+                  <a:tcPr/>
+                </a:tc>
+                <a:tc>
+                  <a:txBody>
+                    <a:bodyPr/>
+                    <a:lstStyle/>
+                    <a:p>
+                      <a:r>
+                        <a:rPr lang="en-US" sz="1200" dirty="0" smtClean="0"/>
+                        <a:t>74.03</a:t>
+                      </a:r>
+                      <a:endParaRPr lang="en-US" sz="1200" dirty="0"/>
+                    </a:p>
+                  </a:txBody>
+                  <a:tcPr/>
+                </a:tc>
+                <a:tc>
+                  <a:txBody>
+                    <a:bodyPr/>
+                    <a:lstStyle/>
+                    <a:p>
+                      <a:endParaRPr lang="en-US" sz="1200" dirty="0"/>
+                    </a:p>
+                  </a:txBody>
+                  <a:tcPr/>
+                </a:tc>
+                <a:tc>
+                  <a:txBody>
+                    <a:bodyPr/>
+                    <a:lstStyle/>
+                    <a:p>
+                      <a:endParaRPr lang="en-US" sz="1200"/>
+                    </a:p>
+                  </a:txBody>
+                  <a:tcPr/>
+                </a:tc>
+              </a:tr>
+              <a:tr h="217714">
+                <a:tc>
+                  <a:txBody>
+                    <a:bodyPr/>
+                    <a:lstStyle/>
+                    <a:p>
+                      <a:endParaRPr lang="en-US" sz="1200" dirty="0"/>
+                    </a:p>
+                  </a:txBody>
+                  <a:tcPr/>
+                </a:tc>
+                <a:tc>
+                  <a:txBody>
+                    <a:bodyPr/>
+                    <a:lstStyle/>
+                    <a:p>
+                      <a:r>
+                        <a:rPr lang="en-US" sz="1200" dirty="0" smtClean="0"/>
+                        <a:t>r2VIM</a:t>
+                      </a:r>
+                      <a:endParaRPr lang="en-US" sz="1200" dirty="0"/>
+                    </a:p>
+                  </a:txBody>
+                  <a:tcPr/>
+                </a:tc>
+                <a:tc>
+                  <a:txBody>
+                    <a:bodyPr/>
+                    <a:lstStyle/>
+                    <a:p>
+                      <a:r>
+                        <a:rPr lang="en-US" sz="1200" dirty="0" smtClean="0"/>
+                        <a:t>0.09</a:t>
+                      </a:r>
+                      <a:endParaRPr lang="en-US" sz="1200" dirty="0"/>
+                    </a:p>
+                  </a:txBody>
+                  <a:tcPr/>
+                </a:tc>
+                <a:tc>
+                  <a:txBody>
+                    <a:bodyPr/>
+                    <a:lstStyle/>
+                    <a:p>
+                      <a:r>
+                        <a:rPr lang="en-US" sz="1200" dirty="0" smtClean="0"/>
+                        <a:t>3.66</a:t>
+                      </a:r>
+                      <a:endParaRPr lang="en-US" sz="1200" dirty="0"/>
+                    </a:p>
+                  </a:txBody>
+                  <a:tcPr/>
+                </a:tc>
+                <a:tc>
+                  <a:txBody>
+                    <a:bodyPr/>
+                    <a:lstStyle/>
+                    <a:p>
+                      <a:r>
+                        <a:rPr lang="en-US" sz="1200" dirty="0" smtClean="0"/>
+                        <a:t>5.51</a:t>
+                      </a:r>
+                      <a:endParaRPr lang="en-US" sz="1200" dirty="0"/>
+                    </a:p>
+                  </a:txBody>
+                  <a:tcPr/>
+                </a:tc>
+                <a:tc>
+                  <a:txBody>
+                    <a:bodyPr/>
+                    <a:lstStyle/>
+                    <a:p>
+                      <a:r>
+                        <a:rPr lang="en-US" sz="1200" dirty="0" smtClean="0"/>
+                        <a:t>50.59</a:t>
+                      </a:r>
+                      <a:endParaRPr lang="en-US" sz="1200" dirty="0"/>
+                    </a:p>
+                  </a:txBody>
+                  <a:tcPr/>
+                </a:tc>
+                <a:tc>
+                  <a:txBody>
+                    <a:bodyPr/>
+                    <a:lstStyle/>
+                    <a:p>
+                      <a:r>
+                        <a:rPr lang="en-US" sz="1200" dirty="0" smtClean="0"/>
+                        <a:t>380.52</a:t>
+                      </a:r>
+                      <a:endParaRPr lang="en-US" sz="1200" dirty="0"/>
+                    </a:p>
+                  </a:txBody>
+                  <a:tcPr/>
+                </a:tc>
+                <a:tc>
+                  <a:txBody>
+                    <a:bodyPr/>
+                    <a:lstStyle/>
+                    <a:p>
+                      <a:endParaRPr lang="en-US" sz="1200" dirty="0"/>
+                    </a:p>
+                  </a:txBody>
+                  <a:tcPr/>
+                </a:tc>
+              </a:tr>
+              <a:tr h="217714">
+                <a:tc>
+                  <a:txBody>
+                    <a:bodyPr/>
+                    <a:lstStyle/>
+                    <a:p>
+                      <a:endParaRPr lang="en-US" sz="1200" dirty="0"/>
+                    </a:p>
+                  </a:txBody>
+                  <a:tcPr/>
+                </a:tc>
+                <a:tc>
+                  <a:txBody>
+                    <a:bodyPr/>
+                    <a:lstStyle/>
+                    <a:p>
+                      <a:r>
+                        <a:rPr lang="en-US" sz="1200" dirty="0" err="1" smtClean="0"/>
+                        <a:t>bigRR</a:t>
+                      </a:r>
+                      <a:endParaRPr lang="en-US" sz="1200" dirty="0"/>
+                    </a:p>
+                  </a:txBody>
+                  <a:tcPr/>
+                </a:tc>
+                <a:tc>
+                  <a:txBody>
+                    <a:bodyPr/>
+                    <a:lstStyle/>
+                    <a:p>
+                      <a:r>
+                        <a:rPr lang="en-US" sz="1200" dirty="0" smtClean="0"/>
+                        <a:t>1.01</a:t>
+                      </a:r>
+                      <a:endParaRPr lang="en-US" sz="1200" dirty="0"/>
+                    </a:p>
+                  </a:txBody>
+                  <a:tcPr/>
+                </a:tc>
+                <a:tc>
+                  <a:txBody>
+                    <a:bodyPr/>
+                    <a:lstStyle/>
+                    <a:p>
+                      <a:r>
+                        <a:rPr lang="en-US" sz="1200" dirty="0" smtClean="0"/>
+                        <a:t>113.35</a:t>
+                      </a:r>
+                      <a:endParaRPr lang="en-US" sz="1200" dirty="0"/>
+                    </a:p>
+                  </a:txBody>
+                  <a:tcPr/>
+                </a:tc>
+                <a:tc>
+                  <a:txBody>
+                    <a:bodyPr/>
+                    <a:lstStyle/>
+                    <a:p>
+                      <a:r>
+                        <a:rPr lang="en-US" sz="1200" dirty="0" smtClean="0"/>
+                        <a:t>54.99</a:t>
+                      </a:r>
+                      <a:endParaRPr lang="en-US" sz="1200" dirty="0"/>
+                    </a:p>
+                  </a:txBody>
+                  <a:tcPr/>
+                </a:tc>
+                <a:tc>
+                  <a:txBody>
+                    <a:bodyPr/>
+                    <a:lstStyle/>
+                    <a:p>
+                      <a:r>
+                        <a:rPr lang="en-US" sz="1200" dirty="0" smtClean="0"/>
+                        <a:t>1030.61</a:t>
+                      </a:r>
+                      <a:endParaRPr lang="en-US" sz="1200" dirty="0"/>
+                    </a:p>
+                  </a:txBody>
+                  <a:tcPr/>
+                </a:tc>
+                <a:tc>
+                  <a:txBody>
+                    <a:bodyPr/>
+                    <a:lstStyle/>
+                    <a:p>
+                      <a:endParaRPr lang="en-US" sz="1200" dirty="0"/>
+                    </a:p>
+                  </a:txBody>
+                  <a:tcPr/>
+                </a:tc>
+                <a:tc>
+                  <a:txBody>
+                    <a:bodyPr/>
+                    <a:lstStyle/>
+                    <a:p>
+                      <a:endParaRPr lang="en-US" sz="1200"/>
+                    </a:p>
+                  </a:txBody>
+                  <a:tcPr/>
+                </a:tc>
+              </a:tr>
+              <a:tr h="217714">
+                <a:tc>
+                  <a:txBody>
+                    <a:bodyPr/>
+                    <a:lstStyle/>
+                    <a:p>
+                      <a:endParaRPr lang="en-US" sz="1200"/>
+                    </a:p>
+                  </a:txBody>
+                  <a:tcPr/>
+                </a:tc>
+                <a:tc>
+                  <a:txBody>
+                    <a:bodyPr/>
+                    <a:lstStyle/>
+                    <a:p>
+                      <a:r>
+                        <a:rPr lang="en-US" sz="1200" dirty="0" smtClean="0"/>
+                        <a:t>LMM-Lasso</a:t>
+                      </a:r>
+                      <a:endParaRPr lang="en-US" sz="1200" dirty="0"/>
+                    </a:p>
+                  </a:txBody>
+                  <a:tcPr/>
+                </a:tc>
+                <a:tc>
+                  <a:txBody>
+                    <a:bodyPr/>
+                    <a:lstStyle/>
+                    <a:p>
+                      <a:r>
+                        <a:rPr lang="en-US" sz="1200" dirty="0" smtClean="0"/>
+                        <a:t>0.57</a:t>
+                      </a:r>
+                      <a:endParaRPr lang="en-US" sz="1200" dirty="0"/>
+                    </a:p>
+                  </a:txBody>
+                  <a:tcPr/>
+                </a:tc>
+                <a:tc>
+                  <a:txBody>
+                    <a:bodyPr/>
+                    <a:lstStyle/>
+                    <a:p>
+                      <a:r>
+                        <a:rPr lang="en-US" sz="1200" dirty="0" smtClean="0"/>
+                        <a:t>52.08</a:t>
+                      </a:r>
+                      <a:endParaRPr lang="en-US" sz="1200" dirty="0"/>
+                    </a:p>
+                  </a:txBody>
+                  <a:tcPr/>
+                </a:tc>
+                <a:tc>
+                  <a:txBody>
+                    <a:bodyPr/>
+                    <a:lstStyle/>
+                    <a:p>
+                      <a:r>
+                        <a:rPr lang="en-US" sz="1200" dirty="0" smtClean="0"/>
+                        <a:t>92.20</a:t>
+                      </a:r>
+                      <a:endParaRPr lang="en-US" sz="1200" dirty="0"/>
+                    </a:p>
+                  </a:txBody>
+                  <a:tcPr/>
+                </a:tc>
+                <a:tc>
+                  <a:txBody>
+                    <a:bodyPr/>
+                    <a:lstStyle/>
+                    <a:p>
+                      <a:r>
+                        <a:rPr lang="en-US" sz="1200" dirty="0" smtClean="0"/>
+                        <a:t>1031.85</a:t>
+                      </a:r>
+                      <a:endParaRPr lang="en-US" sz="1200" dirty="0"/>
+                    </a:p>
+                  </a:txBody>
+                  <a:tcPr/>
+                </a:tc>
+                <a:tc>
+                  <a:txBody>
+                    <a:bodyPr/>
+                    <a:lstStyle/>
+                    <a:p>
+                      <a:endParaRPr lang="en-US" sz="1200" dirty="0"/>
+                    </a:p>
+                  </a:txBody>
+                  <a:tcPr/>
+                </a:tc>
+                <a:tc>
+                  <a:txBody>
+                    <a:bodyPr/>
+                    <a:lstStyle/>
+                    <a:p>
+                      <a:endParaRPr lang="en-US" sz="1200"/>
+                    </a:p>
+                  </a:txBody>
+                  <a:tcPr/>
+                </a:tc>
+              </a:tr>
+              <a:tr h="217714">
+                <a:tc>
+                  <a:txBody>
+                    <a:bodyPr/>
+                    <a:lstStyle/>
+                    <a:p>
+                      <a:endParaRPr lang="en-US" sz="1200" dirty="0"/>
+                    </a:p>
+                  </a:txBody>
+                  <a:tcPr/>
+                </a:tc>
+                <a:tc>
+                  <a:txBody>
+                    <a:bodyPr/>
+                    <a:lstStyle/>
+                    <a:p>
+                      <a:endParaRPr lang="en-US" sz="1200" dirty="0"/>
+                    </a:p>
+                  </a:txBody>
+                  <a:tcPr/>
+                </a:tc>
+                <a:tc>
+                  <a:txBody>
+                    <a:bodyPr/>
+                    <a:lstStyle/>
+                    <a:p>
+                      <a:endParaRPr lang="en-US" sz="1200" dirty="0"/>
+                    </a:p>
+                  </a:txBody>
+                  <a:tcPr/>
+                </a:tc>
+                <a:tc>
+                  <a:txBody>
+                    <a:bodyPr/>
+                    <a:lstStyle/>
+                    <a:p>
+                      <a:endParaRPr lang="en-US" sz="1200" dirty="0"/>
+                    </a:p>
+                  </a:txBody>
+                  <a:tcPr/>
+                </a:tc>
+                <a:tc>
+                  <a:txBody>
+                    <a:bodyPr/>
+                    <a:lstStyle/>
+                    <a:p>
+                      <a:endParaRPr lang="en-US" sz="1200" dirty="0"/>
+                    </a:p>
+                  </a:txBody>
+                  <a:tcPr/>
+                </a:tc>
+                <a:tc>
+                  <a:txBody>
+                    <a:bodyPr/>
+                    <a:lstStyle/>
+                    <a:p>
+                      <a:endParaRPr lang="en-US" sz="1200" dirty="0"/>
+                    </a:p>
+                  </a:txBody>
+                  <a:tcPr/>
+                </a:tc>
+                <a:tc>
+                  <a:txBody>
+                    <a:bodyPr/>
+                    <a:lstStyle/>
+                    <a:p>
+                      <a:endParaRPr lang="en-US" sz="1200" dirty="0"/>
+                    </a:p>
+                  </a:txBody>
+                  <a:tcPr/>
+                </a:tc>
+                <a:tc>
+                  <a:txBody>
+                    <a:bodyPr/>
+                    <a:lstStyle/>
+                    <a:p>
+                      <a:endParaRPr lang="en-US" sz="1200" dirty="0"/>
+                    </a:p>
+                  </a:txBody>
+                  <a:tcPr/>
+                </a:tc>
+              </a:tr>
+              <a:tr h="217714">
+                <a:tc>
+                  <a:txBody>
+                    <a:bodyPr/>
+                    <a:lstStyle/>
+                    <a:p>
+                      <a:r>
+                        <a:rPr lang="en-US" sz="1200" dirty="0" smtClean="0"/>
+                        <a:t>Single</a:t>
+                      </a:r>
+                      <a:endParaRPr lang="en-US" sz="1200" dirty="0"/>
+                    </a:p>
+                  </a:txBody>
+                  <a:tcPr/>
+                </a:tc>
+                <a:tc>
+                  <a:txBody>
+                    <a:bodyPr/>
+                    <a:lstStyle/>
+                    <a:p>
+                      <a:r>
+                        <a:rPr lang="en-US" sz="1200" dirty="0" smtClean="0"/>
+                        <a:t>GEMMA</a:t>
+                      </a:r>
+                      <a:endParaRPr lang="en-US" sz="1200" dirty="0"/>
+                    </a:p>
+                  </a:txBody>
+                  <a:tcPr/>
+                </a:tc>
+                <a:tc>
+                  <a:txBody>
+                    <a:bodyPr/>
+                    <a:lstStyle/>
+                    <a:p>
+                      <a:r>
+                        <a:rPr lang="en-US" sz="1200" dirty="0" smtClean="0"/>
+                        <a:t>0.02</a:t>
+                      </a:r>
+                      <a:endParaRPr lang="en-US" sz="1200" dirty="0"/>
+                    </a:p>
+                  </a:txBody>
+                  <a:tcPr/>
+                </a:tc>
+                <a:tc>
+                  <a:txBody>
+                    <a:bodyPr/>
+                    <a:lstStyle/>
+                    <a:p>
+                      <a:r>
+                        <a:rPr lang="en-US" sz="1200" dirty="0" smtClean="0"/>
+                        <a:t>5.02</a:t>
+                      </a:r>
+                      <a:endParaRPr lang="en-US" sz="1200" dirty="0"/>
+                    </a:p>
+                  </a:txBody>
+                  <a:tcPr/>
+                </a:tc>
+                <a:tc>
+                  <a:txBody>
+                    <a:bodyPr/>
+                    <a:lstStyle/>
+                    <a:p>
+                      <a:r>
+                        <a:rPr lang="en-US" sz="1200" dirty="0" smtClean="0"/>
+                        <a:t>6.17</a:t>
+                      </a:r>
+                      <a:endParaRPr lang="en-US" sz="1200" dirty="0"/>
+                    </a:p>
+                  </a:txBody>
+                  <a:tcPr/>
+                </a:tc>
+                <a:tc>
+                  <a:txBody>
+                    <a:bodyPr/>
+                    <a:lstStyle/>
+                    <a:p>
+                      <a:r>
+                        <a:rPr lang="en-US" sz="1200" dirty="0" smtClean="0"/>
+                        <a:t>84.83</a:t>
+                      </a:r>
+                      <a:endParaRPr lang="en-US" sz="1200" dirty="0"/>
+                    </a:p>
+                  </a:txBody>
+                  <a:tcPr/>
+                </a:tc>
+                <a:tc>
+                  <a:txBody>
+                    <a:bodyPr/>
+                    <a:lstStyle/>
+                    <a:p>
+                      <a:r>
+                        <a:rPr lang="en-US" sz="1200" dirty="0" smtClean="0"/>
+                        <a:t>723.33</a:t>
+                      </a:r>
+                      <a:endParaRPr lang="en-US" sz="1200" dirty="0"/>
+                    </a:p>
+                  </a:txBody>
+                  <a:tcPr/>
+                </a:tc>
+                <a:tc>
+                  <a:txBody>
+                    <a:bodyPr/>
+                    <a:lstStyle/>
+                    <a:p>
+                      <a:r>
+                        <a:rPr lang="en-US" sz="1200" dirty="0" smtClean="0"/>
+                        <a:t>4071.60</a:t>
+                      </a:r>
+                      <a:endParaRPr lang="en-US" sz="1200" dirty="0"/>
+                    </a:p>
+                  </a:txBody>
+                  <a:tcPr/>
+                </a:tc>
+              </a:tr>
+              <a:tr h="217714">
+                <a:tc>
+                  <a:txBody>
+                    <a:bodyPr/>
+                    <a:lstStyle/>
+                    <a:p>
+                      <a:endParaRPr lang="en-US" sz="1200"/>
+                    </a:p>
+                  </a:txBody>
+                  <a:tcPr/>
+                </a:tc>
+                <a:tc>
+                  <a:txBody>
+                    <a:bodyPr/>
+                    <a:lstStyle/>
+                    <a:p>
+                      <a:r>
+                        <a:rPr lang="en-US" sz="1200" dirty="0" err="1" smtClean="0"/>
+                        <a:t>FaST</a:t>
+                      </a:r>
+                      <a:r>
+                        <a:rPr lang="en-US" sz="1200" dirty="0" smtClean="0"/>
+                        <a:t>-LMM</a:t>
+                      </a:r>
+                      <a:endParaRPr lang="en-US" sz="1200" dirty="0"/>
+                    </a:p>
+                  </a:txBody>
+                  <a:tcPr/>
+                </a:tc>
+                <a:tc>
+                  <a:txBody>
+                    <a:bodyPr/>
+                    <a:lstStyle/>
+                    <a:p>
+                      <a:r>
+                        <a:rPr lang="en-US" sz="1200" dirty="0" smtClean="0"/>
+                        <a:t>0.01</a:t>
+                      </a:r>
+                      <a:endParaRPr lang="en-US" sz="1200" dirty="0"/>
+                    </a:p>
+                  </a:txBody>
+                  <a:tcPr/>
+                </a:tc>
+                <a:tc>
+                  <a:txBody>
+                    <a:bodyPr/>
+                    <a:lstStyle/>
+                    <a:p>
+                      <a:r>
+                        <a:rPr lang="en-US" sz="1200" dirty="0" smtClean="0"/>
+                        <a:t>0.80</a:t>
+                      </a:r>
+                      <a:endParaRPr lang="en-US" sz="1200" dirty="0"/>
+                    </a:p>
+                  </a:txBody>
+                  <a:tcPr/>
+                </a:tc>
+                <a:tc>
+                  <a:txBody>
+                    <a:bodyPr/>
+                    <a:lstStyle/>
+                    <a:p>
+                      <a:r>
+                        <a:rPr lang="en-US" sz="1200" dirty="0" smtClean="0"/>
+                        <a:t>7.07</a:t>
+                      </a:r>
+                      <a:endParaRPr lang="en-US" sz="1200" dirty="0"/>
+                    </a:p>
+                  </a:txBody>
+                  <a:tcPr/>
+                </a:tc>
+                <a:tc>
+                  <a:txBody>
+                    <a:bodyPr/>
+                    <a:lstStyle/>
+                    <a:p>
+                      <a:r>
+                        <a:rPr lang="en-US" sz="1200" dirty="0" smtClean="0"/>
+                        <a:t>20.16</a:t>
+                      </a:r>
+                      <a:endParaRPr lang="en-US" sz="1200" dirty="0"/>
+                    </a:p>
+                  </a:txBody>
+                  <a:tcPr/>
+                </a:tc>
+                <a:tc>
+                  <a:txBody>
+                    <a:bodyPr/>
+                    <a:lstStyle/>
+                    <a:p>
+                      <a:r>
+                        <a:rPr lang="en-US" sz="1200" dirty="0" smtClean="0"/>
+                        <a:t>193.90</a:t>
+                      </a:r>
+                      <a:endParaRPr lang="en-US" sz="1200" dirty="0"/>
+                    </a:p>
+                  </a:txBody>
+                  <a:tcPr/>
+                </a:tc>
+                <a:tc>
+                  <a:txBody>
+                    <a:bodyPr/>
+                    <a:lstStyle/>
+                    <a:p>
+                      <a:r>
+                        <a:rPr lang="en-US" sz="1200" dirty="0" smtClean="0"/>
+                        <a:t>346.19</a:t>
+                      </a:r>
+                      <a:endParaRPr lang="en-US" sz="1200" dirty="0"/>
+                    </a:p>
+                  </a:txBody>
+                  <a:tcPr/>
+                </a:tc>
+              </a:tr>
+              <a:tr h="217714">
+                <a:tc>
+                  <a:txBody>
+                    <a:bodyPr/>
+                    <a:lstStyle/>
+                    <a:p>
+                      <a:endParaRPr lang="en-US" sz="1200"/>
+                    </a:p>
+                  </a:txBody>
+                  <a:tcPr/>
+                </a:tc>
+                <a:tc>
+                  <a:txBody>
+                    <a:bodyPr/>
+                    <a:lstStyle/>
+                    <a:p>
+                      <a:r>
+                        <a:rPr lang="en-US" sz="1200" dirty="0" err="1" smtClean="0"/>
+                        <a:t>FaST</a:t>
+                      </a:r>
+                      <a:r>
+                        <a:rPr lang="en-US" sz="1200" dirty="0" smtClean="0"/>
+                        <a:t>-LMM</a:t>
+                      </a:r>
+                      <a:endParaRPr lang="en-US" sz="1200" dirty="0"/>
+                    </a:p>
+                  </a:txBody>
+                  <a:tcPr/>
+                </a:tc>
+                <a:tc>
+                  <a:txBody>
+                    <a:bodyPr/>
+                    <a:lstStyle/>
+                    <a:p>
+                      <a:r>
+                        <a:rPr lang="en-US" sz="1200" dirty="0" smtClean="0"/>
+                        <a:t>0.03</a:t>
+                      </a:r>
+                      <a:endParaRPr lang="en-US" sz="1200" dirty="0"/>
+                    </a:p>
+                  </a:txBody>
+                  <a:tcPr/>
+                </a:tc>
+                <a:tc>
+                  <a:txBody>
+                    <a:bodyPr/>
+                    <a:lstStyle/>
+                    <a:p>
+                      <a:r>
+                        <a:rPr lang="en-US" sz="1200" dirty="0" smtClean="0"/>
+                        <a:t>2.96</a:t>
+                      </a:r>
+                      <a:endParaRPr lang="en-US" sz="1200" dirty="0"/>
+                    </a:p>
+                  </a:txBody>
+                  <a:tcPr/>
+                </a:tc>
+                <a:tc>
+                  <a:txBody>
+                    <a:bodyPr/>
+                    <a:lstStyle/>
+                    <a:p>
+                      <a:r>
+                        <a:rPr lang="en-US" sz="1200" dirty="0" smtClean="0"/>
+                        <a:t>7.90</a:t>
+                      </a:r>
+                      <a:endParaRPr lang="en-US" sz="1200" dirty="0"/>
+                    </a:p>
+                  </a:txBody>
+                  <a:tcPr/>
+                </a:tc>
+                <a:tc>
+                  <a:txBody>
+                    <a:bodyPr/>
+                    <a:lstStyle/>
+                    <a:p>
+                      <a:r>
+                        <a:rPr lang="en-US" sz="1200" dirty="0" smtClean="0"/>
+                        <a:t>41.27</a:t>
+                      </a:r>
+                      <a:endParaRPr lang="en-US" sz="1200" dirty="0"/>
+                    </a:p>
+                  </a:txBody>
+                  <a:tcPr/>
+                </a:tc>
+                <a:tc>
+                  <a:txBody>
+                    <a:bodyPr/>
+                    <a:lstStyle/>
+                    <a:p>
+                      <a:endParaRPr lang="en-US" sz="1200" dirty="0"/>
+                    </a:p>
+                  </a:txBody>
+                  <a:tcPr/>
+                </a:tc>
+                <a:tc>
+                  <a:txBody>
+                    <a:bodyPr/>
+                    <a:lstStyle/>
+                    <a:p>
+                      <a:endParaRPr lang="en-US" sz="1200" dirty="0"/>
+                    </a:p>
+                  </a:txBody>
+                  <a:tcPr/>
+                </a:tc>
+              </a:tr>
+            </a:tbl>
+          </a:graphicData>
+        </a:graphic>
+      </p:graphicFrame>
     </p:spTree>
     <p:extLst>
       <p:ext uri="{BB962C8B-B14F-4D97-AF65-F5344CB8AC3E}">
@@ -3213,7 +4414,7 @@
       </p:grpSpPr>
       <p:pic>
         <p:nvPicPr>
-          <p:cNvPr id="18" name="Picture 17" descr="Rplot02.jpeg"/>
+          <p:cNvPr id="14" name="Picture 13" descr="Figure_power.jpg"/>
           <p:cNvPicPr>
             <a:picLocks noChangeAspect="1"/>
           </p:cNvPicPr>
@@ -3232,9 +4433,9 @@
           </a:stretch>
         </p:blipFill>
         <p:spPr>
-          <a:xfrm>
-            <a:off x="0" y="3434976"/>
-            <a:ext cx="5300980" cy="3118224"/>
+          <a:xfrm rot="16200000">
+            <a:off x="4092577" y="530338"/>
+            <a:ext cx="6189133" cy="5945718"/>
           </a:xfrm>
           <a:prstGeom prst="rect">
             <a:avLst/>
@@ -3243,7 +4444,7 @@
       </p:pic>
       <p:pic>
         <p:nvPicPr>
-          <p:cNvPr id="19" name="Picture 18" descr="Rplot03.jpeg"/>
+          <p:cNvPr id="18" name="Picture 17" descr="Rplot02.jpeg"/>
           <p:cNvPicPr>
             <a:picLocks noChangeAspect="1"/>
           </p:cNvPicPr>
@@ -3263,8 +4464,8 @@
         </p:blipFill>
         <p:spPr>
           <a:xfrm>
-            <a:off x="0" y="0"/>
-            <a:ext cx="5328000" cy="3134118"/>
+            <a:off x="204820" y="3612777"/>
+            <a:ext cx="5300980" cy="3118224"/>
           </a:xfrm>
           <a:prstGeom prst="rect">
             <a:avLst/>
@@ -3273,7 +4474,7 @@
       </p:pic>
       <p:pic>
         <p:nvPicPr>
-          <p:cNvPr id="20" name="Picture 19" descr="Table2_times.pdf"/>
+          <p:cNvPr id="19" name="Picture 18" descr="Rplot03.jpeg"/>
           <p:cNvPicPr>
             <a:picLocks noChangeAspect="1"/>
           </p:cNvPicPr>
@@ -3292,19 +4493,3632 @@
           </a:stretch>
         </p:blipFill>
         <p:spPr>
-          <a:xfrm rot="16200000">
-            <a:off x="2327271" y="-1734193"/>
-            <a:ext cx="9736363" cy="12599995"/>
+          <a:xfrm>
+            <a:off x="177800" y="408633"/>
+            <a:ext cx="5328000" cy="3134118"/>
           </a:xfrm>
           <a:prstGeom prst="rect">
             <a:avLst/>
           </a:prstGeom>
         </p:spPr>
       </p:pic>
+      <p:sp>
+        <p:nvSpPr>
+          <p:cNvPr id="8" name="TextBox 7"/>
+          <p:cNvSpPr txBox="1"/>
+          <p:nvPr/>
+        </p:nvSpPr>
+        <p:spPr>
+          <a:xfrm>
+            <a:off x="16307" y="-53032"/>
+            <a:ext cx="377026" cy="461665"/>
+          </a:xfrm>
+          <a:prstGeom prst="rect">
+            <a:avLst/>
+          </a:prstGeom>
+          <a:noFill/>
+        </p:spPr>
+        <p:txBody>
+          <a:bodyPr wrap="none" rtlCol="0">
+            <a:spAutoFit/>
+          </a:bodyPr>
+          <a:lstStyle/>
+          <a:p>
+            <a:r>
+              <a:rPr lang="en-US" sz="2400" b="1" dirty="0" smtClean="0"/>
+              <a:t>A</a:t>
+            </a:r>
+            <a:endParaRPr lang="en-US" sz="2400" b="1" dirty="0"/>
+          </a:p>
+        </p:txBody>
+      </p:sp>
+      <p:sp>
+        <p:nvSpPr>
+          <p:cNvPr id="12" name="TextBox 11"/>
+          <p:cNvSpPr txBox="1"/>
+          <p:nvPr/>
+        </p:nvSpPr>
+        <p:spPr>
+          <a:xfrm>
+            <a:off x="16307" y="3151112"/>
+            <a:ext cx="357189" cy="461665"/>
+          </a:xfrm>
+          <a:prstGeom prst="rect">
+            <a:avLst/>
+          </a:prstGeom>
+          <a:noFill/>
+        </p:spPr>
+        <p:txBody>
+          <a:bodyPr wrap="none" rtlCol="0">
+            <a:spAutoFit/>
+          </a:bodyPr>
+          <a:lstStyle/>
+          <a:p>
+            <a:r>
+              <a:rPr lang="en-US" sz="2400" b="1" dirty="0"/>
+              <a:t>B</a:t>
+            </a:r>
+            <a:endParaRPr lang="en-US" sz="2400" b="1" dirty="0"/>
+          </a:p>
+        </p:txBody>
+      </p:sp>
+      <p:sp>
+        <p:nvSpPr>
+          <p:cNvPr id="13" name="TextBox 12"/>
+          <p:cNvSpPr txBox="1"/>
+          <p:nvPr/>
+        </p:nvSpPr>
+        <p:spPr>
+          <a:xfrm>
+            <a:off x="5317287" y="99368"/>
+            <a:ext cx="347571" cy="461665"/>
+          </a:xfrm>
+          <a:prstGeom prst="rect">
+            <a:avLst/>
+          </a:prstGeom>
+          <a:noFill/>
+        </p:spPr>
+        <p:txBody>
+          <a:bodyPr wrap="none" rtlCol="0">
+            <a:spAutoFit/>
+          </a:bodyPr>
+          <a:lstStyle/>
+          <a:p>
+            <a:r>
+              <a:rPr lang="en-US" sz="2400" b="1" dirty="0"/>
+              <a:t>C</a:t>
+            </a:r>
+            <a:endParaRPr lang="en-US" sz="2400" b="1" dirty="0"/>
+          </a:p>
+        </p:txBody>
+      </p:sp>
     </p:spTree>
     <p:extLst>
       <p:ext uri="{BB962C8B-B14F-4D97-AF65-F5344CB8AC3E}">
         <p14:creationId xmlns:p14="http://schemas.microsoft.com/office/powerpoint/2010/main" val="3115360079"/>
+      </p:ext>
+    </p:extLst>
+  </p:cSld>
+  <p:clrMapOvr>
+    <a:masterClrMapping/>
+  </p:clrMapOvr>
+  <p:timing>
+    <p:tnLst>
+      <p:par>
+        <p:cTn xmlns:p14="http://schemas.microsoft.com/office/powerpoint/2010/main" id="1" dur="indefinite" restart="never" nodeType="tmRoot"/>
+      </p:par>
+    </p:tnLst>
+  </p:timing>
+</p:sld>
+</file>
+
+<file path=ppt/slides/slide3.xml><?xml version="1.0" encoding="utf-8"?>
+<p:sld xmlns:a="http://schemas.openxmlformats.org/drawingml/2006/main" xmlns:r="http://schemas.openxmlformats.org/officeDocument/2006/relationships" xmlns:p="http://schemas.openxmlformats.org/presentationml/2006/main">
+  <p:cSld>
+    <p:spTree>
+      <p:nvGrpSpPr>
+        <p:cNvPr id="1" name=""/>
+        <p:cNvGrpSpPr/>
+        <p:nvPr/>
+      </p:nvGrpSpPr>
+      <p:grpSpPr>
+        <a:xfrm>
+          <a:off x="0" y="0"/>
+          <a:ext cx="0" cy="0"/>
+          <a:chOff x="0" y="0"/>
+          <a:chExt cx="0" cy="0"/>
+        </a:xfrm>
+      </p:grpSpPr>
+      <p:graphicFrame>
+        <p:nvGraphicFramePr>
+          <p:cNvPr id="3" name="Table 2"/>
+          <p:cNvGraphicFramePr>
+            <a:graphicFrameLocks noGrp="1"/>
+          </p:cNvGraphicFramePr>
+          <p:nvPr>
+            <p:extLst>
+              <p:ext uri="{D42A27DB-BD31-4B8C-83A1-F6EECF244321}">
+                <p14:modId xmlns:p14="http://schemas.microsoft.com/office/powerpoint/2010/main" val="3327906572"/>
+              </p:ext>
+            </p:extLst>
+          </p:nvPr>
+        </p:nvGraphicFramePr>
+        <p:xfrm>
+          <a:off x="220132" y="1739901"/>
+          <a:ext cx="8788401" cy="3688080"/>
+        </p:xfrm>
+        <a:graphic>
+          <a:graphicData uri="http://schemas.openxmlformats.org/drawingml/2006/table">
+            <a:tbl>
+              <a:tblPr>
+                <a:tableStyleId>{793D81CF-94F2-401A-BA57-92F5A7B2D0C5}</a:tableStyleId>
+              </a:tblPr>
+              <a:tblGrid>
+                <a:gridCol w="880535"/>
+                <a:gridCol w="1303866"/>
+                <a:gridCol w="880534"/>
+                <a:gridCol w="1016000"/>
+                <a:gridCol w="1083733"/>
+                <a:gridCol w="1151467"/>
+                <a:gridCol w="1151466"/>
+                <a:gridCol w="1320800"/>
+              </a:tblGrid>
+              <a:tr h="260834">
+                <a:tc>
+                  <a:txBody>
+                    <a:bodyPr/>
+                    <a:lstStyle/>
+                    <a:p>
+                      <a:endParaRPr lang="en-US" sz="1600" dirty="0"/>
+                    </a:p>
+                  </a:txBody>
+                  <a:tcPr>
+                    <a:lnL w="12700" cmpd="sng">
+                      <a:noFill/>
+                    </a:lnL>
+                    <a:lnR>
+                      <a:noFill/>
+                    </a:lnR>
+                    <a:lnT w="12700" cmpd="sng">
+                      <a:noFill/>
+                    </a:lnT>
+                    <a:lnB w="12700" cmpd="sng">
+                      <a:noFill/>
+                    </a:lnB>
+                    <a:lnTlToBr w="12700" cmpd="sng">
+                      <a:noFill/>
+                      <a:prstDash val="solid"/>
+                    </a:lnTlToBr>
+                    <a:lnBlToTr w="12700" cmpd="sng">
+                      <a:noFill/>
+                      <a:prstDash val="solid"/>
+                    </a:lnBlToTr>
+                    <a:solidFill>
+                      <a:srgbClr val="198AAE"/>
+                    </a:solidFill>
+                  </a:tcPr>
+                </a:tc>
+                <a:tc>
+                  <a:txBody>
+                    <a:bodyPr/>
+                    <a:lstStyle/>
+                    <a:p>
+                      <a:endParaRPr lang="en-US" sz="1600" dirty="0"/>
+                    </a:p>
+                  </a:txBody>
+                  <a:tcPr>
+                    <a:lnL>
+                      <a:noFill/>
+                    </a:lnL>
+                    <a:lnR>
+                      <a:noFill/>
+                    </a:lnR>
+                    <a:lnT w="12700" cmpd="sng">
+                      <a:noFill/>
+                    </a:lnT>
+                    <a:lnB w="12700" cmpd="sng">
+                      <a:noFill/>
+                    </a:lnB>
+                    <a:lnTlToBr w="12700" cmpd="sng">
+                      <a:noFill/>
+                      <a:prstDash val="solid"/>
+                    </a:lnTlToBr>
+                    <a:lnBlToTr w="12700" cmpd="sng">
+                      <a:noFill/>
+                      <a:prstDash val="solid"/>
+                    </a:lnBlToTr>
+                    <a:solidFill>
+                      <a:srgbClr val="198AAE"/>
+                    </a:solidFill>
+                  </a:tcPr>
+                </a:tc>
+                <a:tc gridSpan="6">
+                  <a:txBody>
+                    <a:bodyPr/>
+                    <a:lstStyle/>
+                    <a:p>
+                      <a:pPr algn="ctr"/>
+                      <a:r>
+                        <a:rPr lang="en-US" sz="1600" b="1" dirty="0" smtClean="0">
+                          <a:solidFill>
+                            <a:srgbClr val="FFFFFF"/>
+                          </a:solidFill>
+                        </a:rPr>
+                        <a:t>Simulation Scenarios</a:t>
+                      </a:r>
+                      <a:endParaRPr lang="en-US" sz="1600" b="1" dirty="0">
+                        <a:solidFill>
+                          <a:srgbClr val="FFFFFF"/>
+                        </a:solidFill>
+                      </a:endParaRPr>
+                    </a:p>
+                  </a:txBody>
+                  <a:tcPr>
+                    <a:lnL>
+                      <a:noFill/>
+                    </a:lnL>
+                    <a:lnR w="12700" cmpd="sng">
+                      <a:noFill/>
+                    </a:lnR>
+                    <a:lnT w="12700" cmpd="sng">
+                      <a:noFill/>
+                    </a:lnT>
+                    <a:lnB w="12700" cmpd="sng">
+                      <a:noFill/>
+                    </a:lnB>
+                    <a:lnTlToBr w="12700" cmpd="sng">
+                      <a:noFill/>
+                      <a:prstDash val="solid"/>
+                    </a:lnTlToBr>
+                    <a:lnBlToTr w="12700" cmpd="sng">
+                      <a:noFill/>
+                      <a:prstDash val="solid"/>
+                    </a:lnBlToTr>
+                    <a:solidFill>
+                      <a:srgbClr val="198AAE"/>
+                    </a:solidFill>
+                  </a:tcPr>
+                </a:tc>
+                <a:tc hMerge="1">
+                  <a:txBody>
+                    <a:bodyPr/>
+                    <a:lstStyle/>
+                    <a:p>
+                      <a:endParaRPr lang="en-US" sz="1600" dirty="0"/>
+                    </a:p>
+                  </a:txBody>
+                  <a:tcPr>
+                    <a:solidFill>
+                      <a:srgbClr val="198AAE"/>
+                    </a:solidFill>
+                  </a:tcPr>
+                </a:tc>
+                <a:tc hMerge="1">
+                  <a:txBody>
+                    <a:bodyPr/>
+                    <a:lstStyle/>
+                    <a:p>
+                      <a:endParaRPr lang="en-US" sz="1600" dirty="0"/>
+                    </a:p>
+                  </a:txBody>
+                  <a:tcPr>
+                    <a:solidFill>
+                      <a:srgbClr val="198AAE"/>
+                    </a:solidFill>
+                  </a:tcPr>
+                </a:tc>
+                <a:tc hMerge="1">
+                  <a:txBody>
+                    <a:bodyPr/>
+                    <a:lstStyle/>
+                    <a:p>
+                      <a:endParaRPr lang="en-US" sz="1600" dirty="0"/>
+                    </a:p>
+                  </a:txBody>
+                  <a:tcPr>
+                    <a:solidFill>
+                      <a:srgbClr val="198AAE"/>
+                    </a:solidFill>
+                  </a:tcPr>
+                </a:tc>
+                <a:tc hMerge="1">
+                  <a:txBody>
+                    <a:bodyPr/>
+                    <a:lstStyle/>
+                    <a:p>
+                      <a:endParaRPr lang="en-US" sz="1600" dirty="0"/>
+                    </a:p>
+                  </a:txBody>
+                  <a:tcPr>
+                    <a:solidFill>
+                      <a:srgbClr val="198AAE"/>
+                    </a:solidFill>
+                  </a:tcPr>
+                </a:tc>
+                <a:tc hMerge="1">
+                  <a:txBody>
+                    <a:bodyPr/>
+                    <a:lstStyle/>
+                    <a:p>
+                      <a:endParaRPr lang="en-US" sz="1600" dirty="0"/>
+                    </a:p>
+                  </a:txBody>
+                  <a:tcPr>
+                    <a:solidFill>
+                      <a:srgbClr val="198AAE"/>
+                    </a:solidFill>
+                  </a:tcPr>
+                </a:tc>
+              </a:tr>
+              <a:tr h="260834">
+                <a:tc>
+                  <a:txBody>
+                    <a:bodyPr/>
+                    <a:lstStyle/>
+                    <a:p>
+                      <a:r>
+                        <a:rPr lang="en-US" sz="1600" b="1" dirty="0" smtClean="0">
+                          <a:solidFill>
+                            <a:schemeClr val="bg1"/>
+                          </a:solidFill>
+                        </a:rPr>
+                        <a:t>Method</a:t>
+                      </a:r>
+                      <a:endParaRPr lang="en-US" sz="1600" b="1" dirty="0">
+                        <a:solidFill>
+                          <a:schemeClr val="bg1"/>
+                        </a:solidFill>
+                      </a:endParaRPr>
+                    </a:p>
+                  </a:txBody>
+                  <a:tcPr>
+                    <a:lnL w="12700" cmpd="sng">
+                      <a:noFill/>
+                    </a:lnL>
+                    <a:lnR>
+                      <a:noFill/>
+                    </a:lnR>
+                    <a:lnT w="12700" cmpd="sng">
+                      <a:noFill/>
+                    </a:lnT>
+                    <a:lnB w="19050" cap="flat" cmpd="sng" algn="ctr">
+                      <a:noFill/>
+                      <a:prstDash val="solid"/>
+                      <a:round/>
+                      <a:headEnd type="none" w="med" len="med"/>
+                      <a:tailEnd type="none" w="med" len="med"/>
+                    </a:lnB>
+                    <a:lnTlToBr w="12700" cmpd="sng">
+                      <a:noFill/>
+                      <a:prstDash val="solid"/>
+                    </a:lnTlToBr>
+                    <a:lnBlToTr w="12700" cmpd="sng">
+                      <a:noFill/>
+                      <a:prstDash val="solid"/>
+                    </a:lnBlToTr>
+                    <a:solidFill>
+                      <a:srgbClr val="198AAE"/>
+                    </a:solidFill>
+                  </a:tcPr>
+                </a:tc>
+                <a:tc>
+                  <a:txBody>
+                    <a:bodyPr/>
+                    <a:lstStyle/>
+                    <a:p>
+                      <a:r>
+                        <a:rPr lang="en-US" sz="1600" b="1" dirty="0" smtClean="0">
+                          <a:solidFill>
+                            <a:schemeClr val="bg1"/>
+                          </a:solidFill>
+                        </a:rPr>
+                        <a:t>Name</a:t>
+                      </a:r>
+                      <a:endParaRPr lang="en-US" sz="1600" b="1" dirty="0">
+                        <a:solidFill>
+                          <a:schemeClr val="bg1"/>
+                        </a:solidFill>
+                      </a:endParaRPr>
+                    </a:p>
+                  </a:txBody>
+                  <a:tcPr>
+                    <a:lnL>
+                      <a:noFill/>
+                    </a:lnL>
+                    <a:lnR>
+                      <a:noFill/>
+                    </a:lnR>
+                    <a:lnT w="12700" cmpd="sng">
+                      <a:noFill/>
+                    </a:lnT>
+                    <a:lnB w="19050" cap="flat" cmpd="sng" algn="ctr">
+                      <a:noFill/>
+                      <a:prstDash val="solid"/>
+                      <a:round/>
+                      <a:headEnd type="none" w="med" len="med"/>
+                      <a:tailEnd type="none" w="med" len="med"/>
+                    </a:lnB>
+                    <a:lnTlToBr w="12700" cmpd="sng">
+                      <a:noFill/>
+                      <a:prstDash val="solid"/>
+                    </a:lnTlToBr>
+                    <a:lnBlToTr w="12700" cmpd="sng">
+                      <a:noFill/>
+                      <a:prstDash val="solid"/>
+                    </a:lnBlToTr>
+                    <a:solidFill>
+                      <a:srgbClr val="198AAE"/>
+                    </a:solidFill>
+                  </a:tcPr>
+                </a:tc>
+                <a:tc>
+                  <a:txBody>
+                    <a:bodyPr/>
+                    <a:lstStyle/>
+                    <a:p>
+                      <a:r>
+                        <a:rPr lang="en-US" sz="1600" b="1" dirty="0" smtClean="0">
+                          <a:solidFill>
+                            <a:schemeClr val="bg1"/>
+                          </a:solidFill>
+                        </a:rPr>
+                        <a:t>150x5K</a:t>
+                      </a:r>
+                      <a:endParaRPr lang="en-US" sz="1600" b="1" dirty="0">
+                        <a:solidFill>
+                          <a:schemeClr val="bg1"/>
+                        </a:solidFill>
+                      </a:endParaRPr>
+                    </a:p>
+                  </a:txBody>
+                  <a:tcPr>
+                    <a:lnL>
+                      <a:noFill/>
+                    </a:lnL>
+                    <a:lnR>
+                      <a:noFill/>
+                    </a:lnR>
+                    <a:lnT w="12700" cmpd="sng">
+                      <a:noFill/>
+                    </a:lnT>
+                    <a:lnB w="19050" cap="flat" cmpd="sng" algn="ctr">
+                      <a:noFill/>
+                      <a:prstDash val="solid"/>
+                      <a:round/>
+                      <a:headEnd type="none" w="med" len="med"/>
+                      <a:tailEnd type="none" w="med" len="med"/>
+                    </a:lnB>
+                    <a:lnTlToBr w="12700" cmpd="sng">
+                      <a:noFill/>
+                      <a:prstDash val="solid"/>
+                    </a:lnTlToBr>
+                    <a:lnBlToTr w="12700" cmpd="sng">
+                      <a:noFill/>
+                      <a:prstDash val="solid"/>
+                    </a:lnBlToTr>
+                    <a:solidFill>
+                      <a:srgbClr val="198AAE"/>
+                    </a:solidFill>
+                  </a:tcPr>
+                </a:tc>
+                <a:tc>
+                  <a:txBody>
+                    <a:bodyPr/>
+                    <a:lstStyle/>
+                    <a:p>
+                      <a:r>
+                        <a:rPr lang="en-US" sz="1600" b="1" dirty="0" smtClean="0">
+                          <a:solidFill>
+                            <a:schemeClr val="bg1"/>
+                          </a:solidFill>
+                        </a:rPr>
+                        <a:t>1500x50K</a:t>
+                      </a:r>
+                      <a:endParaRPr lang="en-US" sz="1600" b="1" dirty="0">
+                        <a:solidFill>
+                          <a:schemeClr val="bg1"/>
+                        </a:solidFill>
+                      </a:endParaRPr>
+                    </a:p>
+                  </a:txBody>
+                  <a:tcPr>
+                    <a:lnL>
+                      <a:noFill/>
+                    </a:lnL>
+                    <a:lnR>
+                      <a:noFill/>
+                    </a:lnR>
+                    <a:lnT w="12700" cmpd="sng">
+                      <a:noFill/>
+                    </a:lnT>
+                    <a:lnB w="19050" cap="flat" cmpd="sng" algn="ctr">
+                      <a:noFill/>
+                      <a:prstDash val="solid"/>
+                      <a:round/>
+                      <a:headEnd type="none" w="med" len="med"/>
+                      <a:tailEnd type="none" w="med" len="med"/>
+                    </a:lnB>
+                    <a:lnTlToBr w="12700" cmpd="sng">
+                      <a:noFill/>
+                      <a:prstDash val="solid"/>
+                    </a:lnTlToBr>
+                    <a:lnBlToTr w="12700" cmpd="sng">
+                      <a:noFill/>
+                      <a:prstDash val="solid"/>
+                    </a:lnBlToTr>
+                    <a:solidFill>
+                      <a:srgbClr val="198AAE"/>
+                    </a:solidFill>
+                  </a:tcPr>
+                </a:tc>
+                <a:tc>
+                  <a:txBody>
+                    <a:bodyPr/>
+                    <a:lstStyle/>
+                    <a:p>
+                      <a:r>
+                        <a:rPr lang="en-US" sz="1600" b="1" dirty="0" smtClean="0">
+                          <a:solidFill>
+                            <a:schemeClr val="bg1"/>
+                          </a:solidFill>
+                        </a:rPr>
+                        <a:t>350x400K</a:t>
+                      </a:r>
+                      <a:endParaRPr lang="en-US" sz="1600" b="1" dirty="0">
+                        <a:solidFill>
+                          <a:schemeClr val="bg1"/>
+                        </a:solidFill>
+                      </a:endParaRPr>
+                    </a:p>
+                  </a:txBody>
+                  <a:tcPr>
+                    <a:lnL>
+                      <a:noFill/>
+                    </a:lnL>
+                    <a:lnR>
+                      <a:noFill/>
+                    </a:lnR>
+                    <a:lnT w="12700" cmpd="sng">
+                      <a:noFill/>
+                    </a:lnT>
+                    <a:lnB w="19050" cap="flat" cmpd="sng" algn="ctr">
+                      <a:noFill/>
+                      <a:prstDash val="solid"/>
+                      <a:round/>
+                      <a:headEnd type="none" w="med" len="med"/>
+                      <a:tailEnd type="none" w="med" len="med"/>
+                    </a:lnB>
+                    <a:lnTlToBr w="12700" cmpd="sng">
+                      <a:noFill/>
+                      <a:prstDash val="solid"/>
+                    </a:lnTlToBr>
+                    <a:lnBlToTr w="12700" cmpd="sng">
+                      <a:noFill/>
+                      <a:prstDash val="solid"/>
+                    </a:lnBlToTr>
+                    <a:solidFill>
+                      <a:srgbClr val="198AAE"/>
+                    </a:solidFill>
+                  </a:tcPr>
+                </a:tc>
+                <a:tc>
+                  <a:txBody>
+                    <a:bodyPr/>
+                    <a:lstStyle/>
+                    <a:p>
+                      <a:r>
+                        <a:rPr lang="en-US" sz="1600" b="1" dirty="0" smtClean="0">
+                          <a:solidFill>
+                            <a:schemeClr val="bg1"/>
+                          </a:solidFill>
+                        </a:rPr>
+                        <a:t>2000x500K</a:t>
+                      </a:r>
+                      <a:endParaRPr lang="en-US" sz="1600" b="1" dirty="0">
+                        <a:solidFill>
+                          <a:schemeClr val="bg1"/>
+                        </a:solidFill>
+                      </a:endParaRPr>
+                    </a:p>
+                  </a:txBody>
+                  <a:tcPr>
+                    <a:lnL>
+                      <a:noFill/>
+                    </a:lnL>
+                    <a:lnR>
+                      <a:noFill/>
+                    </a:lnR>
+                    <a:lnT w="12700" cmpd="sng">
+                      <a:noFill/>
+                    </a:lnT>
+                    <a:lnB w="19050" cap="flat" cmpd="sng" algn="ctr">
+                      <a:noFill/>
+                      <a:prstDash val="solid"/>
+                      <a:round/>
+                      <a:headEnd type="none" w="med" len="med"/>
+                      <a:tailEnd type="none" w="med" len="med"/>
+                    </a:lnB>
+                    <a:lnTlToBr w="12700" cmpd="sng">
+                      <a:noFill/>
+                      <a:prstDash val="solid"/>
+                    </a:lnTlToBr>
+                    <a:lnBlToTr w="12700" cmpd="sng">
+                      <a:noFill/>
+                      <a:prstDash val="solid"/>
+                    </a:lnBlToTr>
+                    <a:solidFill>
+                      <a:srgbClr val="198AAE"/>
+                    </a:solidFill>
+                  </a:tcPr>
+                </a:tc>
+                <a:tc>
+                  <a:txBody>
+                    <a:bodyPr/>
+                    <a:lstStyle/>
+                    <a:p>
+                      <a:r>
+                        <a:rPr lang="en-US" sz="1600" b="1" dirty="0" smtClean="0">
+                          <a:solidFill>
+                            <a:schemeClr val="bg1"/>
+                          </a:solidFill>
+                        </a:rPr>
+                        <a:t>4000x1.5M</a:t>
+                      </a:r>
+                      <a:endParaRPr lang="en-US" sz="1600" b="1" dirty="0">
+                        <a:solidFill>
+                          <a:schemeClr val="bg1"/>
+                        </a:solidFill>
+                      </a:endParaRPr>
+                    </a:p>
+                  </a:txBody>
+                  <a:tcPr>
+                    <a:lnL>
+                      <a:noFill/>
+                    </a:lnL>
+                    <a:lnR>
+                      <a:noFill/>
+                    </a:lnR>
+                    <a:lnT w="12700" cmpd="sng">
+                      <a:noFill/>
+                    </a:lnT>
+                    <a:lnB w="19050" cap="flat" cmpd="sng" algn="ctr">
+                      <a:noFill/>
+                      <a:prstDash val="solid"/>
+                      <a:round/>
+                      <a:headEnd type="none" w="med" len="med"/>
+                      <a:tailEnd type="none" w="med" len="med"/>
+                    </a:lnB>
+                    <a:lnTlToBr w="12700" cmpd="sng">
+                      <a:noFill/>
+                      <a:prstDash val="solid"/>
+                    </a:lnTlToBr>
+                    <a:lnBlToTr w="12700" cmpd="sng">
+                      <a:noFill/>
+                      <a:prstDash val="solid"/>
+                    </a:lnBlToTr>
+                    <a:solidFill>
+                      <a:srgbClr val="198AAE"/>
+                    </a:solidFill>
+                  </a:tcPr>
+                </a:tc>
+                <a:tc>
+                  <a:txBody>
+                    <a:bodyPr/>
+                    <a:lstStyle/>
+                    <a:p>
+                      <a:r>
+                        <a:rPr lang="en-US" sz="1600" b="1" dirty="0" smtClean="0">
+                          <a:solidFill>
+                            <a:schemeClr val="bg1"/>
+                          </a:solidFill>
+                        </a:rPr>
+                        <a:t>10000x1.5M</a:t>
+                      </a:r>
+                      <a:endParaRPr lang="en-US" sz="1600" b="1" dirty="0">
+                        <a:solidFill>
+                          <a:schemeClr val="bg1"/>
+                        </a:solidFill>
+                      </a:endParaRPr>
+                    </a:p>
+                  </a:txBody>
+                  <a:tcPr>
+                    <a:lnL>
+                      <a:noFill/>
+                    </a:lnL>
+                    <a:lnR w="12700" cmpd="sng">
+                      <a:noFill/>
+                    </a:lnR>
+                    <a:lnT w="12700" cmpd="sng">
+                      <a:noFill/>
+                    </a:lnT>
+                    <a:lnB w="19050" cap="flat" cmpd="sng" algn="ctr">
+                      <a:noFill/>
+                      <a:prstDash val="solid"/>
+                      <a:round/>
+                      <a:headEnd type="none" w="med" len="med"/>
+                      <a:tailEnd type="none" w="med" len="med"/>
+                    </a:lnB>
+                    <a:lnTlToBr w="12700" cmpd="sng">
+                      <a:noFill/>
+                      <a:prstDash val="solid"/>
+                    </a:lnTlToBr>
+                    <a:lnBlToTr w="12700" cmpd="sng">
+                      <a:noFill/>
+                      <a:prstDash val="solid"/>
+                    </a:lnBlToTr>
+                    <a:solidFill>
+                      <a:srgbClr val="198AAE"/>
+                    </a:solidFill>
+                  </a:tcPr>
+                </a:tc>
+              </a:tr>
+              <a:tr h="260834">
+                <a:tc>
+                  <a:txBody>
+                    <a:bodyPr/>
+                    <a:lstStyle/>
+                    <a:p>
+                      <a:r>
+                        <a:rPr lang="en-US" sz="1600" dirty="0" smtClean="0"/>
+                        <a:t>Multiple</a:t>
+                      </a:r>
+                      <a:endParaRPr lang="en-US" sz="1600" dirty="0"/>
+                    </a:p>
+                  </a:txBody>
+                  <a:tcPr>
+                    <a:lnL w="19050" cap="flat" cmpd="sng" algn="ctr">
+                      <a:solidFill>
+                        <a:srgbClr val="208BAC"/>
+                      </a:solidFill>
+                      <a:prstDash val="solid"/>
+                      <a:round/>
+                      <a:headEnd type="none" w="med" len="med"/>
+                      <a:tailEnd type="none" w="med" len="med"/>
+                    </a:lnL>
+                    <a:lnR>
+                      <a:noFill/>
+                    </a:lnR>
+                    <a:lnT w="19050" cap="flat" cmpd="sng" algn="ctr">
+                      <a:noFill/>
+                      <a:prstDash val="solid"/>
+                      <a:round/>
+                      <a:headEnd type="none" w="med" len="med"/>
+                      <a:tailEnd type="none" w="med" len="med"/>
+                    </a:lnT>
+                    <a:lnB w="19050" cap="flat" cmpd="sng" algn="ctr">
+                      <a:noFill/>
+                      <a:prstDash val="solid"/>
+                      <a:round/>
+                      <a:headEnd type="none" w="med" len="med"/>
+                      <a:tailEnd type="none" w="med" len="med"/>
+                    </a:lnB>
+                    <a:lnTlToBr w="12700" cmpd="sng">
+                      <a:noFill/>
+                      <a:prstDash val="solid"/>
+                    </a:lnTlToBr>
+                    <a:lnBlToTr w="12700" cmpd="sng">
+                      <a:noFill/>
+                      <a:prstDash val="solid"/>
+                    </a:lnBlToTr>
+                  </a:tcPr>
+                </a:tc>
+                <a:tc>
+                  <a:txBody>
+                    <a:bodyPr/>
+                    <a:lstStyle/>
+                    <a:p>
+                      <a:r>
+                        <a:rPr lang="en-US" sz="1600" dirty="0" smtClean="0"/>
+                        <a:t>Eagle</a:t>
+                      </a:r>
+                      <a:endParaRPr lang="en-US" sz="1600" dirty="0"/>
+                    </a:p>
+                  </a:txBody>
+                  <a:tcPr>
+                    <a:lnL>
+                      <a:noFill/>
+                    </a:lnL>
+                    <a:lnR>
+                      <a:noFill/>
+                    </a:lnR>
+                    <a:lnT w="19050" cap="flat" cmpd="sng" algn="ctr">
+                      <a:noFill/>
+                      <a:prstDash val="solid"/>
+                      <a:round/>
+                      <a:headEnd type="none" w="med" len="med"/>
+                      <a:tailEnd type="none" w="med" len="med"/>
+                    </a:lnT>
+                    <a:lnB w="19050" cap="flat" cmpd="sng" algn="ctr">
+                      <a:noFill/>
+                      <a:prstDash val="solid"/>
+                      <a:round/>
+                      <a:headEnd type="none" w="med" len="med"/>
+                      <a:tailEnd type="none" w="med" len="med"/>
+                    </a:lnB>
+                    <a:lnTlToBr w="12700" cmpd="sng">
+                      <a:noFill/>
+                      <a:prstDash val="solid"/>
+                    </a:lnTlToBr>
+                    <a:lnBlToTr w="12700" cmpd="sng">
+                      <a:noFill/>
+                      <a:prstDash val="solid"/>
+                    </a:lnBlToTr>
+                  </a:tcPr>
+                </a:tc>
+                <a:tc>
+                  <a:txBody>
+                    <a:bodyPr/>
+                    <a:lstStyle/>
+                    <a:p>
+                      <a:r>
+                        <a:rPr lang="en-US" sz="1600" dirty="0" smtClean="0"/>
+                        <a:t>0.08</a:t>
+                      </a:r>
+                      <a:endParaRPr lang="en-US" sz="1600" dirty="0"/>
+                    </a:p>
+                  </a:txBody>
+                  <a:tcPr>
+                    <a:lnL>
+                      <a:noFill/>
+                    </a:lnL>
+                    <a:lnR>
+                      <a:noFill/>
+                    </a:lnR>
+                    <a:lnT w="19050" cap="flat" cmpd="sng" algn="ctr">
+                      <a:noFill/>
+                      <a:prstDash val="solid"/>
+                      <a:round/>
+                      <a:headEnd type="none" w="med" len="med"/>
+                      <a:tailEnd type="none" w="med" len="med"/>
+                    </a:lnT>
+                    <a:lnB w="19050" cap="flat" cmpd="sng" algn="ctr">
+                      <a:noFill/>
+                      <a:prstDash val="solid"/>
+                      <a:round/>
+                      <a:headEnd type="none" w="med" len="med"/>
+                      <a:tailEnd type="none" w="med" len="med"/>
+                    </a:lnB>
+                    <a:lnTlToBr w="12700" cmpd="sng">
+                      <a:noFill/>
+                      <a:prstDash val="solid"/>
+                    </a:lnTlToBr>
+                    <a:lnBlToTr w="12700" cmpd="sng">
+                      <a:noFill/>
+                      <a:prstDash val="solid"/>
+                    </a:lnBlToTr>
+                    <a:solidFill>
+                      <a:srgbClr val="9EE9E8"/>
+                    </a:solidFill>
+                  </a:tcPr>
+                </a:tc>
+                <a:tc>
+                  <a:txBody>
+                    <a:bodyPr/>
+                    <a:lstStyle/>
+                    <a:p>
+                      <a:r>
+                        <a:rPr lang="en-US" sz="1600" dirty="0" smtClean="0"/>
+                        <a:t>1.62</a:t>
+                      </a:r>
+                      <a:endParaRPr lang="en-US" sz="1600" dirty="0"/>
+                    </a:p>
+                  </a:txBody>
+                  <a:tcPr>
+                    <a:lnL>
+                      <a:noFill/>
+                    </a:lnL>
+                    <a:lnR>
+                      <a:noFill/>
+                    </a:lnR>
+                    <a:lnT w="19050" cap="flat" cmpd="sng" algn="ctr">
+                      <a:noFill/>
+                      <a:prstDash val="solid"/>
+                      <a:round/>
+                      <a:headEnd type="none" w="med" len="med"/>
+                      <a:tailEnd type="none" w="med" len="med"/>
+                    </a:lnT>
+                    <a:lnB w="19050" cap="flat" cmpd="sng" algn="ctr">
+                      <a:noFill/>
+                      <a:prstDash val="solid"/>
+                      <a:round/>
+                      <a:headEnd type="none" w="med" len="med"/>
+                      <a:tailEnd type="none" w="med" len="med"/>
+                    </a:lnB>
+                    <a:lnTlToBr w="12700" cmpd="sng">
+                      <a:noFill/>
+                      <a:prstDash val="solid"/>
+                    </a:lnTlToBr>
+                    <a:lnBlToTr w="12700" cmpd="sng">
+                      <a:noFill/>
+                      <a:prstDash val="solid"/>
+                    </a:lnBlToTr>
+                  </a:tcPr>
+                </a:tc>
+                <a:tc>
+                  <a:txBody>
+                    <a:bodyPr/>
+                    <a:lstStyle/>
+                    <a:p>
+                      <a:r>
+                        <a:rPr lang="en-US" sz="1600" b="1" dirty="0" smtClean="0">
+                          <a:solidFill>
+                            <a:srgbClr val="3366FF"/>
+                          </a:solidFill>
+                        </a:rPr>
+                        <a:t>2.71</a:t>
+                      </a:r>
+                      <a:endParaRPr lang="en-US" sz="1600" b="1" dirty="0">
+                        <a:solidFill>
+                          <a:srgbClr val="3366FF"/>
+                        </a:solidFill>
+                      </a:endParaRPr>
+                    </a:p>
+                  </a:txBody>
+                  <a:tcPr>
+                    <a:lnL>
+                      <a:noFill/>
+                    </a:lnL>
+                    <a:lnR>
+                      <a:noFill/>
+                    </a:lnR>
+                    <a:lnT w="19050" cap="flat" cmpd="sng" algn="ctr">
+                      <a:noFill/>
+                      <a:prstDash val="solid"/>
+                      <a:round/>
+                      <a:headEnd type="none" w="med" len="med"/>
+                      <a:tailEnd type="none" w="med" len="med"/>
+                    </a:lnT>
+                    <a:lnB w="19050" cap="flat" cmpd="sng" algn="ctr">
+                      <a:noFill/>
+                      <a:prstDash val="solid"/>
+                      <a:round/>
+                      <a:headEnd type="none" w="med" len="med"/>
+                      <a:tailEnd type="none" w="med" len="med"/>
+                    </a:lnB>
+                    <a:lnTlToBr w="12700" cmpd="sng">
+                      <a:noFill/>
+                      <a:prstDash val="solid"/>
+                    </a:lnTlToBr>
+                    <a:lnBlToTr w="12700" cmpd="sng">
+                      <a:noFill/>
+                      <a:prstDash val="solid"/>
+                    </a:lnBlToTr>
+                    <a:solidFill>
+                      <a:srgbClr val="9EE9E8"/>
+                    </a:solidFill>
+                  </a:tcPr>
+                </a:tc>
+                <a:tc>
+                  <a:txBody>
+                    <a:bodyPr/>
+                    <a:lstStyle/>
+                    <a:p>
+                      <a:r>
+                        <a:rPr lang="en-US" sz="1600" b="1" dirty="0" smtClean="0">
+                          <a:solidFill>
+                            <a:srgbClr val="3366FF"/>
+                          </a:solidFill>
+                        </a:rPr>
+                        <a:t>13.65</a:t>
+                      </a:r>
+                      <a:endParaRPr lang="en-US" sz="1600" b="1" dirty="0">
+                        <a:solidFill>
+                          <a:srgbClr val="3366FF"/>
+                        </a:solidFill>
+                      </a:endParaRPr>
+                    </a:p>
+                  </a:txBody>
+                  <a:tcPr>
+                    <a:lnL>
+                      <a:noFill/>
+                    </a:lnL>
+                    <a:lnR>
+                      <a:noFill/>
+                    </a:lnR>
+                    <a:lnT w="19050" cap="flat" cmpd="sng" algn="ctr">
+                      <a:noFill/>
+                      <a:prstDash val="solid"/>
+                      <a:round/>
+                      <a:headEnd type="none" w="med" len="med"/>
+                      <a:tailEnd type="none" w="med" len="med"/>
+                    </a:lnT>
+                    <a:lnB w="19050" cap="flat" cmpd="sng" algn="ctr">
+                      <a:noFill/>
+                      <a:prstDash val="solid"/>
+                      <a:round/>
+                      <a:headEnd type="none" w="med" len="med"/>
+                      <a:tailEnd type="none" w="med" len="med"/>
+                    </a:lnB>
+                    <a:lnTlToBr w="12700" cmpd="sng">
+                      <a:noFill/>
+                      <a:prstDash val="solid"/>
+                    </a:lnTlToBr>
+                    <a:lnBlToTr w="12700" cmpd="sng">
+                      <a:noFill/>
+                      <a:prstDash val="solid"/>
+                    </a:lnBlToTr>
+                  </a:tcPr>
+                </a:tc>
+                <a:tc>
+                  <a:txBody>
+                    <a:bodyPr/>
+                    <a:lstStyle/>
+                    <a:p>
+                      <a:r>
+                        <a:rPr lang="en-US" sz="1600" b="1" dirty="0" smtClean="0">
+                          <a:solidFill>
+                            <a:srgbClr val="3366FF"/>
+                          </a:solidFill>
+                        </a:rPr>
+                        <a:t>127.63</a:t>
+                      </a:r>
+                      <a:endParaRPr lang="en-US" sz="1600" b="1" dirty="0">
+                        <a:solidFill>
+                          <a:srgbClr val="3366FF"/>
+                        </a:solidFill>
+                      </a:endParaRPr>
+                    </a:p>
+                  </a:txBody>
+                  <a:tcPr>
+                    <a:lnL>
+                      <a:noFill/>
+                    </a:lnL>
+                    <a:lnR>
+                      <a:noFill/>
+                    </a:lnR>
+                    <a:lnT w="19050" cap="flat" cmpd="sng" algn="ctr">
+                      <a:noFill/>
+                      <a:prstDash val="solid"/>
+                      <a:round/>
+                      <a:headEnd type="none" w="med" len="med"/>
+                      <a:tailEnd type="none" w="med" len="med"/>
+                    </a:lnT>
+                    <a:lnB w="19050" cap="flat" cmpd="sng" algn="ctr">
+                      <a:noFill/>
+                      <a:prstDash val="solid"/>
+                      <a:round/>
+                      <a:headEnd type="none" w="med" len="med"/>
+                      <a:tailEnd type="none" w="med" len="med"/>
+                    </a:lnB>
+                    <a:lnTlToBr w="12700" cmpd="sng">
+                      <a:noFill/>
+                      <a:prstDash val="solid"/>
+                    </a:lnTlToBr>
+                    <a:lnBlToTr w="12700" cmpd="sng">
+                      <a:noFill/>
+                      <a:prstDash val="solid"/>
+                    </a:lnBlToTr>
+                    <a:solidFill>
+                      <a:srgbClr val="9EE9E8"/>
+                    </a:solidFill>
+                  </a:tcPr>
+                </a:tc>
+                <a:tc>
+                  <a:txBody>
+                    <a:bodyPr/>
+                    <a:lstStyle/>
+                    <a:p>
+                      <a:r>
+                        <a:rPr lang="en-US" sz="1600" dirty="0" smtClean="0"/>
+                        <a:t>699.55</a:t>
+                      </a:r>
+                      <a:endParaRPr lang="en-US" sz="1600" dirty="0"/>
+                    </a:p>
+                  </a:txBody>
+                  <a:tcPr>
+                    <a:lnL>
+                      <a:noFill/>
+                    </a:lnL>
+                    <a:lnR w="19050" cap="flat" cmpd="sng" algn="ctr">
+                      <a:solidFill>
+                        <a:srgbClr val="208BAC"/>
+                      </a:solidFill>
+                      <a:prstDash val="solid"/>
+                      <a:round/>
+                      <a:headEnd type="none" w="med" len="med"/>
+                      <a:tailEnd type="none" w="med" len="med"/>
+                    </a:lnR>
+                    <a:lnT w="19050" cap="flat" cmpd="sng" algn="ctr">
+                      <a:noFill/>
+                      <a:prstDash val="solid"/>
+                      <a:round/>
+                      <a:headEnd type="none" w="med" len="med"/>
+                      <a:tailEnd type="none" w="med" len="med"/>
+                    </a:lnT>
+                    <a:lnB w="19050" cap="flat" cmpd="sng" algn="ctr">
+                      <a:noFill/>
+                      <a:prstDash val="solid"/>
+                      <a:round/>
+                      <a:headEnd type="none" w="med" len="med"/>
+                      <a:tailEnd type="none" w="med" len="med"/>
+                    </a:lnB>
+                    <a:lnTlToBr w="12700" cmpd="sng">
+                      <a:noFill/>
+                      <a:prstDash val="solid"/>
+                    </a:lnTlToBr>
+                    <a:lnBlToTr w="12700" cmpd="sng">
+                      <a:noFill/>
+                      <a:prstDash val="solid"/>
+                    </a:lnBlToTr>
+                  </a:tcPr>
+                </a:tc>
+              </a:tr>
+              <a:tr h="260834">
+                <a:tc>
+                  <a:txBody>
+                    <a:bodyPr/>
+                    <a:lstStyle/>
+                    <a:p>
+                      <a:endParaRPr lang="en-US" sz="1600" dirty="0"/>
+                    </a:p>
+                  </a:txBody>
+                  <a:tcPr>
+                    <a:lnL w="19050" cap="flat" cmpd="sng" algn="ctr">
+                      <a:solidFill>
+                        <a:srgbClr val="208BAC"/>
+                      </a:solidFill>
+                      <a:prstDash val="solid"/>
+                      <a:round/>
+                      <a:headEnd type="none" w="med" len="med"/>
+                      <a:tailEnd type="none" w="med" len="med"/>
+                    </a:lnL>
+                    <a:lnR>
+                      <a:noFill/>
+                    </a:lnR>
+                    <a:lnT w="19050" cap="flat" cmpd="sng" algn="ctr">
+                      <a:noFill/>
+                      <a:prstDash val="solid"/>
+                      <a:round/>
+                      <a:headEnd type="none" w="med" len="med"/>
+                      <a:tailEnd type="none" w="med" len="med"/>
+                    </a:lnT>
+                    <a:lnB w="12700" cmpd="sng">
+                      <a:noFill/>
+                    </a:lnB>
+                    <a:lnTlToBr w="12700" cmpd="sng">
+                      <a:noFill/>
+                      <a:prstDash val="solid"/>
+                    </a:lnTlToBr>
+                    <a:lnBlToTr w="12700" cmpd="sng">
+                      <a:noFill/>
+                      <a:prstDash val="solid"/>
+                    </a:lnBlToTr>
+                  </a:tcPr>
+                </a:tc>
+                <a:tc>
+                  <a:txBody>
+                    <a:bodyPr/>
+                    <a:lstStyle/>
+                    <a:p>
+                      <a:r>
+                        <a:rPr lang="en-US" sz="1600" dirty="0" smtClean="0"/>
+                        <a:t>MLMM</a:t>
+                      </a:r>
+                      <a:endParaRPr lang="en-US" sz="1600" dirty="0"/>
+                    </a:p>
+                  </a:txBody>
+                  <a:tcPr>
+                    <a:lnL>
+                      <a:noFill/>
+                    </a:lnL>
+                    <a:lnR>
+                      <a:noFill/>
+                    </a:lnR>
+                    <a:lnT w="19050" cap="flat" cmpd="sng" algn="ctr">
+                      <a:noFill/>
+                      <a:prstDash val="solid"/>
+                      <a:round/>
+                      <a:headEnd type="none" w="med" len="med"/>
+                      <a:tailEnd type="none" w="med" len="med"/>
+                    </a:lnT>
+                    <a:lnB w="12700" cmpd="sng">
+                      <a:noFill/>
+                    </a:lnB>
+                    <a:lnTlToBr w="12700" cmpd="sng">
+                      <a:noFill/>
+                      <a:prstDash val="solid"/>
+                    </a:lnTlToBr>
+                    <a:lnBlToTr w="12700" cmpd="sng">
+                      <a:noFill/>
+                      <a:prstDash val="solid"/>
+                    </a:lnBlToTr>
+                  </a:tcPr>
+                </a:tc>
+                <a:tc>
+                  <a:txBody>
+                    <a:bodyPr/>
+                    <a:lstStyle/>
+                    <a:p>
+                      <a:r>
+                        <a:rPr lang="en-US" sz="1600" dirty="0" smtClean="0"/>
+                        <a:t>0.15</a:t>
+                      </a:r>
+                      <a:endParaRPr lang="en-US" sz="1600" dirty="0"/>
+                    </a:p>
+                  </a:txBody>
+                  <a:tcPr>
+                    <a:lnL>
+                      <a:noFill/>
+                    </a:lnL>
+                    <a:lnR>
+                      <a:noFill/>
+                    </a:lnR>
+                    <a:lnT w="19050" cap="flat" cmpd="sng" algn="ctr">
+                      <a:noFill/>
+                      <a:prstDash val="solid"/>
+                      <a:round/>
+                      <a:headEnd type="none" w="med" len="med"/>
+                      <a:tailEnd type="none" w="med" len="med"/>
+                    </a:lnT>
+                    <a:lnB w="12700" cmpd="sng">
+                      <a:noFill/>
+                    </a:lnB>
+                    <a:lnTlToBr w="12700" cmpd="sng">
+                      <a:noFill/>
+                      <a:prstDash val="solid"/>
+                    </a:lnTlToBr>
+                    <a:lnBlToTr w="12700" cmpd="sng">
+                      <a:noFill/>
+                      <a:prstDash val="solid"/>
+                    </a:lnBlToTr>
+                    <a:solidFill>
+                      <a:srgbClr val="9EE9E8"/>
+                    </a:solidFill>
+                  </a:tcPr>
+                </a:tc>
+                <a:tc>
+                  <a:txBody>
+                    <a:bodyPr/>
+                    <a:lstStyle/>
+                    <a:p>
+                      <a:r>
+                        <a:rPr lang="en-US" sz="1600" dirty="0" smtClean="0"/>
+                        <a:t>2.91</a:t>
+                      </a:r>
+                      <a:endParaRPr lang="en-US" sz="1600" dirty="0"/>
+                    </a:p>
+                  </a:txBody>
+                  <a:tcPr>
+                    <a:lnL>
+                      <a:noFill/>
+                    </a:lnL>
+                    <a:lnR>
+                      <a:noFill/>
+                    </a:lnR>
+                    <a:lnT w="19050" cap="flat" cmpd="sng" algn="ctr">
+                      <a:noFill/>
+                      <a:prstDash val="solid"/>
+                      <a:round/>
+                      <a:headEnd type="none" w="med" len="med"/>
+                      <a:tailEnd type="none" w="med" len="med"/>
+                    </a:lnT>
+                    <a:lnB w="12700" cmpd="sng">
+                      <a:noFill/>
+                    </a:lnB>
+                    <a:lnTlToBr w="12700" cmpd="sng">
+                      <a:noFill/>
+                      <a:prstDash val="solid"/>
+                    </a:lnTlToBr>
+                    <a:lnBlToTr w="12700" cmpd="sng">
+                      <a:noFill/>
+                      <a:prstDash val="solid"/>
+                    </a:lnBlToTr>
+                  </a:tcPr>
+                </a:tc>
+                <a:tc>
+                  <a:txBody>
+                    <a:bodyPr/>
+                    <a:lstStyle/>
+                    <a:p>
+                      <a:r>
+                        <a:rPr lang="en-US" sz="1600" dirty="0" smtClean="0"/>
+                        <a:t>19.04</a:t>
+                      </a:r>
+                      <a:endParaRPr lang="en-US" sz="1600" dirty="0"/>
+                    </a:p>
+                  </a:txBody>
+                  <a:tcPr>
+                    <a:lnL>
+                      <a:noFill/>
+                    </a:lnL>
+                    <a:lnR>
+                      <a:noFill/>
+                    </a:lnR>
+                    <a:lnT w="19050" cap="flat" cmpd="sng" algn="ctr">
+                      <a:noFill/>
+                      <a:prstDash val="solid"/>
+                      <a:round/>
+                      <a:headEnd type="none" w="med" len="med"/>
+                      <a:tailEnd type="none" w="med" len="med"/>
+                    </a:lnT>
+                    <a:lnB w="12700" cmpd="sng">
+                      <a:noFill/>
+                    </a:lnB>
+                    <a:lnTlToBr w="12700" cmpd="sng">
+                      <a:noFill/>
+                      <a:prstDash val="solid"/>
+                    </a:lnTlToBr>
+                    <a:lnBlToTr w="12700" cmpd="sng">
+                      <a:noFill/>
+                      <a:prstDash val="solid"/>
+                    </a:lnBlToTr>
+                    <a:solidFill>
+                      <a:srgbClr val="9EE9E8"/>
+                    </a:solidFill>
+                  </a:tcPr>
+                </a:tc>
+                <a:tc>
+                  <a:txBody>
+                    <a:bodyPr/>
+                    <a:lstStyle/>
+                    <a:p>
+                      <a:r>
+                        <a:rPr lang="en-US" sz="1600" dirty="0" smtClean="0"/>
+                        <a:t>143.01</a:t>
+                      </a:r>
+                      <a:endParaRPr lang="en-US" sz="1600" dirty="0"/>
+                    </a:p>
+                  </a:txBody>
+                  <a:tcPr>
+                    <a:lnL>
+                      <a:noFill/>
+                    </a:lnL>
+                    <a:lnR>
+                      <a:noFill/>
+                    </a:lnR>
+                    <a:lnT w="19050" cap="flat" cmpd="sng" algn="ctr">
+                      <a:noFill/>
+                      <a:prstDash val="solid"/>
+                      <a:round/>
+                      <a:headEnd type="none" w="med" len="med"/>
+                      <a:tailEnd type="none" w="med" len="med"/>
+                    </a:lnT>
+                    <a:lnB w="12700" cmpd="sng">
+                      <a:noFill/>
+                    </a:lnB>
+                    <a:lnTlToBr w="12700" cmpd="sng">
+                      <a:noFill/>
+                      <a:prstDash val="solid"/>
+                    </a:lnTlToBr>
+                    <a:lnBlToTr w="12700" cmpd="sng">
+                      <a:noFill/>
+                      <a:prstDash val="solid"/>
+                    </a:lnBlToTr>
+                  </a:tcPr>
+                </a:tc>
+                <a:tc>
+                  <a:txBody>
+                    <a:bodyPr/>
+                    <a:lstStyle/>
+                    <a:p>
+                      <a:r>
+                        <a:rPr lang="en-US" sz="1600" dirty="0" smtClean="0"/>
+                        <a:t>870.84</a:t>
+                      </a:r>
+                      <a:endParaRPr lang="en-US" sz="1600" dirty="0"/>
+                    </a:p>
+                  </a:txBody>
+                  <a:tcPr>
+                    <a:lnL>
+                      <a:noFill/>
+                    </a:lnL>
+                    <a:lnR>
+                      <a:noFill/>
+                    </a:lnR>
+                    <a:lnT w="19050" cap="flat" cmpd="sng" algn="ctr">
+                      <a:noFill/>
+                      <a:prstDash val="solid"/>
+                      <a:round/>
+                      <a:headEnd type="none" w="med" len="med"/>
+                      <a:tailEnd type="none" w="med" len="med"/>
+                    </a:lnT>
+                    <a:lnB w="12700" cmpd="sng">
+                      <a:noFill/>
+                    </a:lnB>
+                    <a:lnTlToBr w="12700" cmpd="sng">
+                      <a:noFill/>
+                      <a:prstDash val="solid"/>
+                    </a:lnTlToBr>
+                    <a:lnBlToTr w="12700" cmpd="sng">
+                      <a:noFill/>
+                      <a:prstDash val="solid"/>
+                    </a:lnBlToTr>
+                    <a:solidFill>
+                      <a:srgbClr val="9EE9E8"/>
+                    </a:solidFill>
+                  </a:tcPr>
+                </a:tc>
+                <a:tc>
+                  <a:txBody>
+                    <a:bodyPr/>
+                    <a:lstStyle/>
+                    <a:p>
+                      <a:endParaRPr lang="en-US" sz="1600" dirty="0"/>
+                    </a:p>
+                  </a:txBody>
+                  <a:tcPr>
+                    <a:lnL>
+                      <a:noFill/>
+                    </a:lnL>
+                    <a:lnR w="19050" cap="flat" cmpd="sng" algn="ctr">
+                      <a:solidFill>
+                        <a:srgbClr val="208BAC"/>
+                      </a:solidFill>
+                      <a:prstDash val="solid"/>
+                      <a:round/>
+                      <a:headEnd type="none" w="med" len="med"/>
+                      <a:tailEnd type="none" w="med" len="med"/>
+                    </a:lnR>
+                    <a:lnT w="19050" cap="flat" cmpd="sng" algn="ctr">
+                      <a:noFill/>
+                      <a:prstDash val="solid"/>
+                      <a:round/>
+                      <a:headEnd type="none" w="med" len="med"/>
+                      <a:tailEnd type="none" w="med" len="med"/>
+                    </a:lnT>
+                    <a:lnB w="12700" cmpd="sng">
+                      <a:noFill/>
+                    </a:lnB>
+                    <a:lnTlToBr w="12700" cmpd="sng">
+                      <a:noFill/>
+                      <a:prstDash val="solid"/>
+                    </a:lnTlToBr>
+                    <a:lnBlToTr w="12700" cmpd="sng">
+                      <a:noFill/>
+                      <a:prstDash val="solid"/>
+                    </a:lnBlToTr>
+                  </a:tcPr>
+                </a:tc>
+              </a:tr>
+              <a:tr h="260834">
+                <a:tc>
+                  <a:txBody>
+                    <a:bodyPr/>
+                    <a:lstStyle/>
+                    <a:p>
+                      <a:endParaRPr lang="en-US" sz="1600" dirty="0"/>
+                    </a:p>
+                  </a:txBody>
+                  <a:tcPr>
+                    <a:lnL w="19050" cap="flat" cmpd="sng" algn="ctr">
+                      <a:solidFill>
+                        <a:srgbClr val="208BAC"/>
+                      </a:solidFill>
+                      <a:prstDash val="solid"/>
+                      <a:round/>
+                      <a:headEnd type="none" w="med" len="med"/>
+                      <a:tailEnd type="none" w="med" len="med"/>
+                    </a:lnL>
+                    <a:lnR>
+                      <a:noFill/>
+                    </a:lnR>
+                    <a:lnT w="12700" cmpd="sng">
+                      <a:noFill/>
+                    </a:lnT>
+                    <a:lnB w="12700" cmpd="sng">
+                      <a:noFill/>
+                    </a:lnB>
+                    <a:lnTlToBr w="12700" cmpd="sng">
+                      <a:noFill/>
+                      <a:prstDash val="solid"/>
+                    </a:lnTlToBr>
+                    <a:lnBlToTr w="12700" cmpd="sng">
+                      <a:noFill/>
+                      <a:prstDash val="solid"/>
+                    </a:lnBlToTr>
+                  </a:tcPr>
+                </a:tc>
+                <a:tc>
+                  <a:txBody>
+                    <a:bodyPr/>
+                    <a:lstStyle/>
+                    <a:p>
+                      <a:r>
+                        <a:rPr lang="en-US" sz="1600" dirty="0" err="1" smtClean="0"/>
+                        <a:t>glmnet</a:t>
+                      </a:r>
+                      <a:endParaRPr lang="en-US" sz="1600" dirty="0"/>
+                    </a:p>
+                  </a:txBody>
+                  <a:tcPr>
+                    <a:lnL>
+                      <a:noFill/>
+                    </a:lnL>
+                    <a:lnR>
+                      <a:noFill/>
+                    </a:lnR>
+                    <a:lnT w="12700" cmpd="sng">
+                      <a:noFill/>
+                    </a:lnT>
+                    <a:lnB w="12700" cmpd="sng">
+                      <a:noFill/>
+                    </a:lnB>
+                    <a:lnTlToBr w="12700" cmpd="sng">
+                      <a:noFill/>
+                      <a:prstDash val="solid"/>
+                    </a:lnTlToBr>
+                    <a:lnBlToTr w="12700" cmpd="sng">
+                      <a:noFill/>
+                      <a:prstDash val="solid"/>
+                    </a:lnBlToTr>
+                  </a:tcPr>
+                </a:tc>
+                <a:tc>
+                  <a:txBody>
+                    <a:bodyPr/>
+                    <a:lstStyle/>
+                    <a:p>
+                      <a:r>
+                        <a:rPr lang="en-US" sz="1600" dirty="0" smtClean="0"/>
+                        <a:t>0.11</a:t>
+                      </a:r>
+                      <a:endParaRPr lang="en-US" sz="1600" dirty="0"/>
+                    </a:p>
+                  </a:txBody>
+                  <a:tcPr>
+                    <a:lnL>
+                      <a:noFill/>
+                    </a:lnL>
+                    <a:lnR>
+                      <a:noFill/>
+                    </a:lnR>
+                    <a:lnT w="12700" cmpd="sng">
+                      <a:noFill/>
+                    </a:lnT>
+                    <a:lnB w="12700" cmpd="sng">
+                      <a:noFill/>
+                    </a:lnB>
+                    <a:lnTlToBr w="12700" cmpd="sng">
+                      <a:noFill/>
+                      <a:prstDash val="solid"/>
+                    </a:lnTlToBr>
+                    <a:lnBlToTr w="12700" cmpd="sng">
+                      <a:noFill/>
+                      <a:prstDash val="solid"/>
+                    </a:lnBlToTr>
+                    <a:solidFill>
+                      <a:srgbClr val="9EE9E8"/>
+                    </a:solidFill>
+                  </a:tcPr>
+                </a:tc>
+                <a:tc>
+                  <a:txBody>
+                    <a:bodyPr/>
+                    <a:lstStyle/>
+                    <a:p>
+                      <a:r>
+                        <a:rPr lang="en-US" sz="1600" dirty="0" smtClean="0"/>
+                        <a:t>3.95</a:t>
+                      </a:r>
+                      <a:endParaRPr lang="en-US" sz="1600" dirty="0"/>
+                    </a:p>
+                  </a:txBody>
+                  <a:tcPr>
+                    <a:lnL>
+                      <a:noFill/>
+                    </a:lnL>
+                    <a:lnR>
+                      <a:noFill/>
+                    </a:lnR>
+                    <a:lnT w="12700" cmpd="sng">
+                      <a:noFill/>
+                    </a:lnT>
+                    <a:lnB w="12700" cmpd="sng">
+                      <a:noFill/>
+                    </a:lnB>
+                    <a:lnTlToBr w="12700" cmpd="sng">
+                      <a:noFill/>
+                      <a:prstDash val="solid"/>
+                    </a:lnTlToBr>
+                    <a:lnBlToTr w="12700" cmpd="sng">
+                      <a:noFill/>
+                      <a:prstDash val="solid"/>
+                    </a:lnBlToTr>
+                  </a:tcPr>
+                </a:tc>
+                <a:tc>
+                  <a:txBody>
+                    <a:bodyPr/>
+                    <a:lstStyle/>
+                    <a:p>
+                      <a:r>
+                        <a:rPr lang="en-US" sz="1600" dirty="0" smtClean="0"/>
+                        <a:t>14.06</a:t>
+                      </a:r>
+                      <a:endParaRPr lang="en-US" sz="1600" dirty="0"/>
+                    </a:p>
+                  </a:txBody>
+                  <a:tcPr>
+                    <a:lnL>
+                      <a:noFill/>
+                    </a:lnL>
+                    <a:lnR>
+                      <a:noFill/>
+                    </a:lnR>
+                    <a:lnT w="12700" cmpd="sng">
+                      <a:noFill/>
+                    </a:lnT>
+                    <a:lnB w="12700" cmpd="sng">
+                      <a:noFill/>
+                    </a:lnB>
+                    <a:lnTlToBr w="12700" cmpd="sng">
+                      <a:noFill/>
+                      <a:prstDash val="solid"/>
+                    </a:lnTlToBr>
+                    <a:lnBlToTr w="12700" cmpd="sng">
+                      <a:noFill/>
+                      <a:prstDash val="solid"/>
+                    </a:lnBlToTr>
+                    <a:solidFill>
+                      <a:srgbClr val="9EE9E8"/>
+                    </a:solidFill>
+                  </a:tcPr>
+                </a:tc>
+                <a:tc>
+                  <a:txBody>
+                    <a:bodyPr/>
+                    <a:lstStyle/>
+                    <a:p>
+                      <a:r>
+                        <a:rPr lang="en-US" sz="1600" dirty="0" smtClean="0"/>
+                        <a:t>74.03</a:t>
+                      </a:r>
+                      <a:endParaRPr lang="en-US" sz="1600" dirty="0"/>
+                    </a:p>
+                  </a:txBody>
+                  <a:tcPr>
+                    <a:lnL>
+                      <a:noFill/>
+                    </a:lnL>
+                    <a:lnR>
+                      <a:noFill/>
+                    </a:lnR>
+                    <a:lnT w="12700" cmpd="sng">
+                      <a:noFill/>
+                    </a:lnT>
+                    <a:lnB w="12700" cmpd="sng">
+                      <a:noFill/>
+                    </a:lnB>
+                    <a:lnTlToBr w="12700" cmpd="sng">
+                      <a:noFill/>
+                      <a:prstDash val="solid"/>
+                    </a:lnTlToBr>
+                    <a:lnBlToTr w="12700" cmpd="sng">
+                      <a:noFill/>
+                      <a:prstDash val="solid"/>
+                    </a:lnBlToTr>
+                  </a:tcPr>
+                </a:tc>
+                <a:tc>
+                  <a:txBody>
+                    <a:bodyPr/>
+                    <a:lstStyle/>
+                    <a:p>
+                      <a:endParaRPr lang="en-US" sz="1600" dirty="0"/>
+                    </a:p>
+                  </a:txBody>
+                  <a:tcPr>
+                    <a:lnL>
+                      <a:noFill/>
+                    </a:lnL>
+                    <a:lnR>
+                      <a:noFill/>
+                    </a:lnR>
+                    <a:lnT w="12700" cmpd="sng">
+                      <a:noFill/>
+                    </a:lnT>
+                    <a:lnB w="12700" cmpd="sng">
+                      <a:noFill/>
+                    </a:lnB>
+                    <a:lnTlToBr w="12700" cmpd="sng">
+                      <a:noFill/>
+                      <a:prstDash val="solid"/>
+                    </a:lnTlToBr>
+                    <a:lnBlToTr w="12700" cmpd="sng">
+                      <a:noFill/>
+                      <a:prstDash val="solid"/>
+                    </a:lnBlToTr>
+                    <a:solidFill>
+                      <a:srgbClr val="9EE9E8"/>
+                    </a:solidFill>
+                  </a:tcPr>
+                </a:tc>
+                <a:tc>
+                  <a:txBody>
+                    <a:bodyPr/>
+                    <a:lstStyle/>
+                    <a:p>
+                      <a:endParaRPr lang="en-US" sz="1600" dirty="0"/>
+                    </a:p>
+                  </a:txBody>
+                  <a:tcPr>
+                    <a:lnL>
+                      <a:noFill/>
+                    </a:lnL>
+                    <a:lnR w="19050" cap="flat" cmpd="sng" algn="ctr">
+                      <a:solidFill>
+                        <a:srgbClr val="208BAC"/>
+                      </a:solidFill>
+                      <a:prstDash val="solid"/>
+                      <a:round/>
+                      <a:headEnd type="none" w="med" len="med"/>
+                      <a:tailEnd type="none" w="med" len="med"/>
+                    </a:lnR>
+                    <a:lnT w="12700" cmpd="sng">
+                      <a:noFill/>
+                    </a:lnT>
+                    <a:lnB w="12700" cmpd="sng">
+                      <a:noFill/>
+                    </a:lnB>
+                    <a:lnTlToBr w="12700" cmpd="sng">
+                      <a:noFill/>
+                      <a:prstDash val="solid"/>
+                    </a:lnTlToBr>
+                    <a:lnBlToTr w="12700" cmpd="sng">
+                      <a:noFill/>
+                      <a:prstDash val="solid"/>
+                    </a:lnBlToTr>
+                  </a:tcPr>
+                </a:tc>
+              </a:tr>
+              <a:tr h="260834">
+                <a:tc>
+                  <a:txBody>
+                    <a:bodyPr/>
+                    <a:lstStyle/>
+                    <a:p>
+                      <a:endParaRPr lang="en-US" sz="1600" dirty="0"/>
+                    </a:p>
+                  </a:txBody>
+                  <a:tcPr>
+                    <a:lnL w="19050" cap="flat" cmpd="sng" algn="ctr">
+                      <a:solidFill>
+                        <a:srgbClr val="208BAC"/>
+                      </a:solidFill>
+                      <a:prstDash val="solid"/>
+                      <a:round/>
+                      <a:headEnd type="none" w="med" len="med"/>
+                      <a:tailEnd type="none" w="med" len="med"/>
+                    </a:lnL>
+                    <a:lnR>
+                      <a:noFill/>
+                    </a:lnR>
+                    <a:lnT w="12700" cmpd="sng">
+                      <a:noFill/>
+                    </a:lnT>
+                    <a:lnB w="12700" cmpd="sng">
+                      <a:noFill/>
+                    </a:lnB>
+                    <a:lnTlToBr w="12700" cmpd="sng">
+                      <a:noFill/>
+                      <a:prstDash val="solid"/>
+                    </a:lnTlToBr>
+                    <a:lnBlToTr w="12700" cmpd="sng">
+                      <a:noFill/>
+                      <a:prstDash val="solid"/>
+                    </a:lnBlToTr>
+                  </a:tcPr>
+                </a:tc>
+                <a:tc>
+                  <a:txBody>
+                    <a:bodyPr/>
+                    <a:lstStyle/>
+                    <a:p>
+                      <a:r>
+                        <a:rPr lang="en-US" sz="1600" dirty="0" smtClean="0"/>
+                        <a:t>r2VIM</a:t>
+                      </a:r>
+                      <a:endParaRPr lang="en-US" sz="1600" dirty="0"/>
+                    </a:p>
+                  </a:txBody>
+                  <a:tcPr>
+                    <a:lnL>
+                      <a:noFill/>
+                    </a:lnL>
+                    <a:lnR>
+                      <a:noFill/>
+                    </a:lnR>
+                    <a:lnT w="12700" cmpd="sng">
+                      <a:noFill/>
+                    </a:lnT>
+                    <a:lnB w="12700" cmpd="sng">
+                      <a:noFill/>
+                    </a:lnB>
+                    <a:lnTlToBr w="12700" cmpd="sng">
+                      <a:noFill/>
+                      <a:prstDash val="solid"/>
+                    </a:lnTlToBr>
+                    <a:lnBlToTr w="12700" cmpd="sng">
+                      <a:noFill/>
+                      <a:prstDash val="solid"/>
+                    </a:lnBlToTr>
+                  </a:tcPr>
+                </a:tc>
+                <a:tc>
+                  <a:txBody>
+                    <a:bodyPr/>
+                    <a:lstStyle/>
+                    <a:p>
+                      <a:r>
+                        <a:rPr lang="en-US" sz="1600" dirty="0" smtClean="0"/>
+                        <a:t>0.09</a:t>
+                      </a:r>
+                      <a:endParaRPr lang="en-US" sz="1600" dirty="0"/>
+                    </a:p>
+                  </a:txBody>
+                  <a:tcPr>
+                    <a:lnL>
+                      <a:noFill/>
+                    </a:lnL>
+                    <a:lnR>
+                      <a:noFill/>
+                    </a:lnR>
+                    <a:lnT w="12700" cmpd="sng">
+                      <a:noFill/>
+                    </a:lnT>
+                    <a:lnB w="12700" cmpd="sng">
+                      <a:noFill/>
+                    </a:lnB>
+                    <a:lnTlToBr w="12700" cmpd="sng">
+                      <a:noFill/>
+                      <a:prstDash val="solid"/>
+                    </a:lnTlToBr>
+                    <a:lnBlToTr w="12700" cmpd="sng">
+                      <a:noFill/>
+                      <a:prstDash val="solid"/>
+                    </a:lnBlToTr>
+                    <a:solidFill>
+                      <a:srgbClr val="9EE9E8"/>
+                    </a:solidFill>
+                  </a:tcPr>
+                </a:tc>
+                <a:tc>
+                  <a:txBody>
+                    <a:bodyPr/>
+                    <a:lstStyle/>
+                    <a:p>
+                      <a:r>
+                        <a:rPr lang="en-US" sz="1600" dirty="0" smtClean="0"/>
+                        <a:t>3.66</a:t>
+                      </a:r>
+                      <a:endParaRPr lang="en-US" sz="1600" dirty="0"/>
+                    </a:p>
+                  </a:txBody>
+                  <a:tcPr>
+                    <a:lnL>
+                      <a:noFill/>
+                    </a:lnL>
+                    <a:lnR>
+                      <a:noFill/>
+                    </a:lnR>
+                    <a:lnT w="12700" cmpd="sng">
+                      <a:noFill/>
+                    </a:lnT>
+                    <a:lnB w="12700" cmpd="sng">
+                      <a:noFill/>
+                    </a:lnB>
+                    <a:lnTlToBr w="12700" cmpd="sng">
+                      <a:noFill/>
+                      <a:prstDash val="solid"/>
+                    </a:lnTlToBr>
+                    <a:lnBlToTr w="12700" cmpd="sng">
+                      <a:noFill/>
+                      <a:prstDash val="solid"/>
+                    </a:lnBlToTr>
+                  </a:tcPr>
+                </a:tc>
+                <a:tc>
+                  <a:txBody>
+                    <a:bodyPr/>
+                    <a:lstStyle/>
+                    <a:p>
+                      <a:r>
+                        <a:rPr lang="en-US" sz="1600" dirty="0" smtClean="0"/>
+                        <a:t>5.51</a:t>
+                      </a:r>
+                      <a:endParaRPr lang="en-US" sz="1600" dirty="0"/>
+                    </a:p>
+                  </a:txBody>
+                  <a:tcPr>
+                    <a:lnL>
+                      <a:noFill/>
+                    </a:lnL>
+                    <a:lnR>
+                      <a:noFill/>
+                    </a:lnR>
+                    <a:lnT w="12700" cmpd="sng">
+                      <a:noFill/>
+                    </a:lnT>
+                    <a:lnB w="12700" cmpd="sng">
+                      <a:noFill/>
+                    </a:lnB>
+                    <a:lnTlToBr w="12700" cmpd="sng">
+                      <a:noFill/>
+                      <a:prstDash val="solid"/>
+                    </a:lnTlToBr>
+                    <a:lnBlToTr w="12700" cmpd="sng">
+                      <a:noFill/>
+                      <a:prstDash val="solid"/>
+                    </a:lnBlToTr>
+                    <a:solidFill>
+                      <a:srgbClr val="9EE9E8"/>
+                    </a:solidFill>
+                  </a:tcPr>
+                </a:tc>
+                <a:tc>
+                  <a:txBody>
+                    <a:bodyPr/>
+                    <a:lstStyle/>
+                    <a:p>
+                      <a:r>
+                        <a:rPr lang="en-US" sz="1600" dirty="0" smtClean="0"/>
+                        <a:t>50.59</a:t>
+                      </a:r>
+                      <a:endParaRPr lang="en-US" sz="1600" dirty="0"/>
+                    </a:p>
+                  </a:txBody>
+                  <a:tcPr>
+                    <a:lnL>
+                      <a:noFill/>
+                    </a:lnL>
+                    <a:lnR>
+                      <a:noFill/>
+                    </a:lnR>
+                    <a:lnT w="12700" cmpd="sng">
+                      <a:noFill/>
+                    </a:lnT>
+                    <a:lnB w="12700" cmpd="sng">
+                      <a:noFill/>
+                    </a:lnB>
+                    <a:lnTlToBr w="12700" cmpd="sng">
+                      <a:noFill/>
+                      <a:prstDash val="solid"/>
+                    </a:lnTlToBr>
+                    <a:lnBlToTr w="12700" cmpd="sng">
+                      <a:noFill/>
+                      <a:prstDash val="solid"/>
+                    </a:lnBlToTr>
+                  </a:tcPr>
+                </a:tc>
+                <a:tc>
+                  <a:txBody>
+                    <a:bodyPr/>
+                    <a:lstStyle/>
+                    <a:p>
+                      <a:r>
+                        <a:rPr lang="en-US" sz="1600" dirty="0" smtClean="0"/>
+                        <a:t>380.52</a:t>
+                      </a:r>
+                      <a:endParaRPr lang="en-US" sz="1600" dirty="0"/>
+                    </a:p>
+                  </a:txBody>
+                  <a:tcPr>
+                    <a:lnL>
+                      <a:noFill/>
+                    </a:lnL>
+                    <a:lnR>
+                      <a:noFill/>
+                    </a:lnR>
+                    <a:lnT w="12700" cmpd="sng">
+                      <a:noFill/>
+                    </a:lnT>
+                    <a:lnB w="12700" cmpd="sng">
+                      <a:noFill/>
+                    </a:lnB>
+                    <a:lnTlToBr w="12700" cmpd="sng">
+                      <a:noFill/>
+                      <a:prstDash val="solid"/>
+                    </a:lnTlToBr>
+                    <a:lnBlToTr w="12700" cmpd="sng">
+                      <a:noFill/>
+                      <a:prstDash val="solid"/>
+                    </a:lnBlToTr>
+                    <a:solidFill>
+                      <a:srgbClr val="9EE9E8"/>
+                    </a:solidFill>
+                  </a:tcPr>
+                </a:tc>
+                <a:tc>
+                  <a:txBody>
+                    <a:bodyPr/>
+                    <a:lstStyle/>
+                    <a:p>
+                      <a:endParaRPr lang="en-US" sz="1600" dirty="0"/>
+                    </a:p>
+                  </a:txBody>
+                  <a:tcPr>
+                    <a:lnL>
+                      <a:noFill/>
+                    </a:lnL>
+                    <a:lnR w="19050" cap="flat" cmpd="sng" algn="ctr">
+                      <a:solidFill>
+                        <a:srgbClr val="208BAC"/>
+                      </a:solidFill>
+                      <a:prstDash val="solid"/>
+                      <a:round/>
+                      <a:headEnd type="none" w="med" len="med"/>
+                      <a:tailEnd type="none" w="med" len="med"/>
+                    </a:lnR>
+                    <a:lnT w="12700" cmpd="sng">
+                      <a:noFill/>
+                    </a:lnT>
+                    <a:lnB w="12700" cmpd="sng">
+                      <a:noFill/>
+                    </a:lnB>
+                    <a:lnTlToBr w="12700" cmpd="sng">
+                      <a:noFill/>
+                      <a:prstDash val="solid"/>
+                    </a:lnTlToBr>
+                    <a:lnBlToTr w="12700" cmpd="sng">
+                      <a:noFill/>
+                      <a:prstDash val="solid"/>
+                    </a:lnBlToTr>
+                  </a:tcPr>
+                </a:tc>
+              </a:tr>
+              <a:tr h="260834">
+                <a:tc>
+                  <a:txBody>
+                    <a:bodyPr/>
+                    <a:lstStyle/>
+                    <a:p>
+                      <a:endParaRPr lang="en-US" sz="1600" dirty="0"/>
+                    </a:p>
+                  </a:txBody>
+                  <a:tcPr>
+                    <a:lnL w="19050" cap="flat" cmpd="sng" algn="ctr">
+                      <a:solidFill>
+                        <a:srgbClr val="208BAC"/>
+                      </a:solidFill>
+                      <a:prstDash val="solid"/>
+                      <a:round/>
+                      <a:headEnd type="none" w="med" len="med"/>
+                      <a:tailEnd type="none" w="med" len="med"/>
+                    </a:lnL>
+                    <a:lnR>
+                      <a:noFill/>
+                    </a:lnR>
+                    <a:lnT w="12700" cmpd="sng">
+                      <a:noFill/>
+                    </a:lnT>
+                    <a:lnB w="12700" cmpd="sng">
+                      <a:noFill/>
+                    </a:lnB>
+                    <a:lnTlToBr w="12700" cmpd="sng">
+                      <a:noFill/>
+                      <a:prstDash val="solid"/>
+                    </a:lnTlToBr>
+                    <a:lnBlToTr w="12700" cmpd="sng">
+                      <a:noFill/>
+                      <a:prstDash val="solid"/>
+                    </a:lnBlToTr>
+                  </a:tcPr>
+                </a:tc>
+                <a:tc>
+                  <a:txBody>
+                    <a:bodyPr/>
+                    <a:lstStyle/>
+                    <a:p>
+                      <a:r>
+                        <a:rPr lang="en-US" sz="1600" dirty="0" err="1" smtClean="0"/>
+                        <a:t>bigRR</a:t>
+                      </a:r>
+                      <a:endParaRPr lang="en-US" sz="1600" dirty="0"/>
+                    </a:p>
+                  </a:txBody>
+                  <a:tcPr>
+                    <a:lnL>
+                      <a:noFill/>
+                    </a:lnL>
+                    <a:lnR>
+                      <a:noFill/>
+                    </a:lnR>
+                    <a:lnT w="12700" cmpd="sng">
+                      <a:noFill/>
+                    </a:lnT>
+                    <a:lnB w="12700" cmpd="sng">
+                      <a:noFill/>
+                    </a:lnB>
+                    <a:lnTlToBr w="12700" cmpd="sng">
+                      <a:noFill/>
+                      <a:prstDash val="solid"/>
+                    </a:lnTlToBr>
+                    <a:lnBlToTr w="12700" cmpd="sng">
+                      <a:noFill/>
+                      <a:prstDash val="solid"/>
+                    </a:lnBlToTr>
+                  </a:tcPr>
+                </a:tc>
+                <a:tc>
+                  <a:txBody>
+                    <a:bodyPr/>
+                    <a:lstStyle/>
+                    <a:p>
+                      <a:r>
+                        <a:rPr lang="en-US" sz="1600" dirty="0" smtClean="0"/>
+                        <a:t>1.01</a:t>
+                      </a:r>
+                      <a:endParaRPr lang="en-US" sz="1600" dirty="0"/>
+                    </a:p>
+                  </a:txBody>
+                  <a:tcPr>
+                    <a:lnL>
+                      <a:noFill/>
+                    </a:lnL>
+                    <a:lnR>
+                      <a:noFill/>
+                    </a:lnR>
+                    <a:lnT w="12700" cmpd="sng">
+                      <a:noFill/>
+                    </a:lnT>
+                    <a:lnB w="12700" cmpd="sng">
+                      <a:noFill/>
+                    </a:lnB>
+                    <a:lnTlToBr w="12700" cmpd="sng">
+                      <a:noFill/>
+                      <a:prstDash val="solid"/>
+                    </a:lnTlToBr>
+                    <a:lnBlToTr w="12700" cmpd="sng">
+                      <a:noFill/>
+                      <a:prstDash val="solid"/>
+                    </a:lnBlToTr>
+                    <a:solidFill>
+                      <a:srgbClr val="9EE9E8"/>
+                    </a:solidFill>
+                  </a:tcPr>
+                </a:tc>
+                <a:tc>
+                  <a:txBody>
+                    <a:bodyPr/>
+                    <a:lstStyle/>
+                    <a:p>
+                      <a:r>
+                        <a:rPr lang="en-US" sz="1600" dirty="0" smtClean="0"/>
+                        <a:t>113.35</a:t>
+                      </a:r>
+                      <a:endParaRPr lang="en-US" sz="1600" dirty="0"/>
+                    </a:p>
+                  </a:txBody>
+                  <a:tcPr>
+                    <a:lnL>
+                      <a:noFill/>
+                    </a:lnL>
+                    <a:lnR>
+                      <a:noFill/>
+                    </a:lnR>
+                    <a:lnT w="12700" cmpd="sng">
+                      <a:noFill/>
+                    </a:lnT>
+                    <a:lnB w="12700" cmpd="sng">
+                      <a:noFill/>
+                    </a:lnB>
+                    <a:lnTlToBr w="12700" cmpd="sng">
+                      <a:noFill/>
+                      <a:prstDash val="solid"/>
+                    </a:lnTlToBr>
+                    <a:lnBlToTr w="12700" cmpd="sng">
+                      <a:noFill/>
+                      <a:prstDash val="solid"/>
+                    </a:lnBlToTr>
+                  </a:tcPr>
+                </a:tc>
+                <a:tc>
+                  <a:txBody>
+                    <a:bodyPr/>
+                    <a:lstStyle/>
+                    <a:p>
+                      <a:r>
+                        <a:rPr lang="en-US" sz="1600" dirty="0" smtClean="0"/>
+                        <a:t>54.99</a:t>
+                      </a:r>
+                      <a:endParaRPr lang="en-US" sz="1600" dirty="0"/>
+                    </a:p>
+                  </a:txBody>
+                  <a:tcPr>
+                    <a:lnL>
+                      <a:noFill/>
+                    </a:lnL>
+                    <a:lnR>
+                      <a:noFill/>
+                    </a:lnR>
+                    <a:lnT w="12700" cmpd="sng">
+                      <a:noFill/>
+                    </a:lnT>
+                    <a:lnB w="12700" cmpd="sng">
+                      <a:noFill/>
+                    </a:lnB>
+                    <a:lnTlToBr w="12700" cmpd="sng">
+                      <a:noFill/>
+                      <a:prstDash val="solid"/>
+                    </a:lnTlToBr>
+                    <a:lnBlToTr w="12700" cmpd="sng">
+                      <a:noFill/>
+                      <a:prstDash val="solid"/>
+                    </a:lnBlToTr>
+                    <a:solidFill>
+                      <a:srgbClr val="9EE9E8"/>
+                    </a:solidFill>
+                  </a:tcPr>
+                </a:tc>
+                <a:tc>
+                  <a:txBody>
+                    <a:bodyPr/>
+                    <a:lstStyle/>
+                    <a:p>
+                      <a:r>
+                        <a:rPr lang="en-US" sz="1600" dirty="0" smtClean="0"/>
+                        <a:t>1030.61</a:t>
+                      </a:r>
+                      <a:endParaRPr lang="en-US" sz="1600" dirty="0"/>
+                    </a:p>
+                  </a:txBody>
+                  <a:tcPr>
+                    <a:lnL>
+                      <a:noFill/>
+                    </a:lnL>
+                    <a:lnR>
+                      <a:noFill/>
+                    </a:lnR>
+                    <a:lnT w="12700" cmpd="sng">
+                      <a:noFill/>
+                    </a:lnT>
+                    <a:lnB w="12700" cmpd="sng">
+                      <a:noFill/>
+                    </a:lnB>
+                    <a:lnTlToBr w="12700" cmpd="sng">
+                      <a:noFill/>
+                      <a:prstDash val="solid"/>
+                    </a:lnTlToBr>
+                    <a:lnBlToTr w="12700" cmpd="sng">
+                      <a:noFill/>
+                      <a:prstDash val="solid"/>
+                    </a:lnBlToTr>
+                  </a:tcPr>
+                </a:tc>
+                <a:tc>
+                  <a:txBody>
+                    <a:bodyPr/>
+                    <a:lstStyle/>
+                    <a:p>
+                      <a:endParaRPr lang="en-US" sz="1600" dirty="0"/>
+                    </a:p>
+                  </a:txBody>
+                  <a:tcPr>
+                    <a:lnL>
+                      <a:noFill/>
+                    </a:lnL>
+                    <a:lnR>
+                      <a:noFill/>
+                    </a:lnR>
+                    <a:lnT w="12700" cmpd="sng">
+                      <a:noFill/>
+                    </a:lnT>
+                    <a:lnB w="12700" cmpd="sng">
+                      <a:noFill/>
+                    </a:lnB>
+                    <a:lnTlToBr w="12700" cmpd="sng">
+                      <a:noFill/>
+                      <a:prstDash val="solid"/>
+                    </a:lnTlToBr>
+                    <a:lnBlToTr w="12700" cmpd="sng">
+                      <a:noFill/>
+                      <a:prstDash val="solid"/>
+                    </a:lnBlToTr>
+                    <a:solidFill>
+                      <a:srgbClr val="9EE9E8"/>
+                    </a:solidFill>
+                  </a:tcPr>
+                </a:tc>
+                <a:tc>
+                  <a:txBody>
+                    <a:bodyPr/>
+                    <a:lstStyle/>
+                    <a:p>
+                      <a:endParaRPr lang="en-US" sz="1600" dirty="0"/>
+                    </a:p>
+                  </a:txBody>
+                  <a:tcPr>
+                    <a:lnL>
+                      <a:noFill/>
+                    </a:lnL>
+                    <a:lnR w="19050" cap="flat" cmpd="sng" algn="ctr">
+                      <a:solidFill>
+                        <a:srgbClr val="208BAC"/>
+                      </a:solidFill>
+                      <a:prstDash val="solid"/>
+                      <a:round/>
+                      <a:headEnd type="none" w="med" len="med"/>
+                      <a:tailEnd type="none" w="med" len="med"/>
+                    </a:lnR>
+                    <a:lnT w="12700" cmpd="sng">
+                      <a:noFill/>
+                    </a:lnT>
+                    <a:lnB w="12700" cmpd="sng">
+                      <a:noFill/>
+                    </a:lnB>
+                    <a:lnTlToBr w="12700" cmpd="sng">
+                      <a:noFill/>
+                      <a:prstDash val="solid"/>
+                    </a:lnTlToBr>
+                    <a:lnBlToTr w="12700" cmpd="sng">
+                      <a:noFill/>
+                      <a:prstDash val="solid"/>
+                    </a:lnBlToTr>
+                  </a:tcPr>
+                </a:tc>
+              </a:tr>
+              <a:tr h="260834">
+                <a:tc>
+                  <a:txBody>
+                    <a:bodyPr/>
+                    <a:lstStyle/>
+                    <a:p>
+                      <a:endParaRPr lang="en-US" sz="1600" dirty="0"/>
+                    </a:p>
+                  </a:txBody>
+                  <a:tcPr>
+                    <a:lnL w="19050" cap="flat" cmpd="sng" algn="ctr">
+                      <a:solidFill>
+                        <a:srgbClr val="208BAC"/>
+                      </a:solidFill>
+                      <a:prstDash val="solid"/>
+                      <a:round/>
+                      <a:headEnd type="none" w="med" len="med"/>
+                      <a:tailEnd type="none" w="med" len="med"/>
+                    </a:lnL>
+                    <a:lnR>
+                      <a:noFill/>
+                    </a:lnR>
+                    <a:lnT w="12700" cmpd="sng">
+                      <a:noFill/>
+                    </a:lnT>
+                    <a:lnB w="12700" cmpd="sng">
+                      <a:noFill/>
+                    </a:lnB>
+                    <a:lnTlToBr w="12700" cmpd="sng">
+                      <a:noFill/>
+                      <a:prstDash val="solid"/>
+                    </a:lnTlToBr>
+                    <a:lnBlToTr w="12700" cmpd="sng">
+                      <a:noFill/>
+                      <a:prstDash val="solid"/>
+                    </a:lnBlToTr>
+                  </a:tcPr>
+                </a:tc>
+                <a:tc>
+                  <a:txBody>
+                    <a:bodyPr/>
+                    <a:lstStyle/>
+                    <a:p>
+                      <a:r>
+                        <a:rPr lang="en-US" sz="1600" dirty="0" smtClean="0"/>
+                        <a:t>LMM-Lasso</a:t>
+                      </a:r>
+                      <a:endParaRPr lang="en-US" sz="1600" dirty="0"/>
+                    </a:p>
+                  </a:txBody>
+                  <a:tcPr>
+                    <a:lnL>
+                      <a:noFill/>
+                    </a:lnL>
+                    <a:lnR>
+                      <a:noFill/>
+                    </a:lnR>
+                    <a:lnT w="12700" cmpd="sng">
+                      <a:noFill/>
+                    </a:lnT>
+                    <a:lnB w="12700" cmpd="sng">
+                      <a:noFill/>
+                    </a:lnB>
+                    <a:lnTlToBr w="12700" cmpd="sng">
+                      <a:noFill/>
+                      <a:prstDash val="solid"/>
+                    </a:lnTlToBr>
+                    <a:lnBlToTr w="12700" cmpd="sng">
+                      <a:noFill/>
+                      <a:prstDash val="solid"/>
+                    </a:lnBlToTr>
+                  </a:tcPr>
+                </a:tc>
+                <a:tc>
+                  <a:txBody>
+                    <a:bodyPr/>
+                    <a:lstStyle/>
+                    <a:p>
+                      <a:r>
+                        <a:rPr lang="en-US" sz="1600" dirty="0" smtClean="0"/>
+                        <a:t>0.57</a:t>
+                      </a:r>
+                      <a:endParaRPr lang="en-US" sz="1600" dirty="0"/>
+                    </a:p>
+                  </a:txBody>
+                  <a:tcPr>
+                    <a:lnL>
+                      <a:noFill/>
+                    </a:lnL>
+                    <a:lnR>
+                      <a:noFill/>
+                    </a:lnR>
+                    <a:lnT w="12700" cmpd="sng">
+                      <a:noFill/>
+                    </a:lnT>
+                    <a:lnB w="12700" cmpd="sng">
+                      <a:noFill/>
+                    </a:lnB>
+                    <a:lnTlToBr w="12700" cmpd="sng">
+                      <a:noFill/>
+                      <a:prstDash val="solid"/>
+                    </a:lnTlToBr>
+                    <a:lnBlToTr w="12700" cmpd="sng">
+                      <a:noFill/>
+                      <a:prstDash val="solid"/>
+                    </a:lnBlToTr>
+                    <a:solidFill>
+                      <a:srgbClr val="9EE9E8"/>
+                    </a:solidFill>
+                  </a:tcPr>
+                </a:tc>
+                <a:tc>
+                  <a:txBody>
+                    <a:bodyPr/>
+                    <a:lstStyle/>
+                    <a:p>
+                      <a:r>
+                        <a:rPr lang="en-US" sz="1600" dirty="0" smtClean="0"/>
+                        <a:t>52.08</a:t>
+                      </a:r>
+                      <a:endParaRPr lang="en-US" sz="1600" dirty="0"/>
+                    </a:p>
+                  </a:txBody>
+                  <a:tcPr>
+                    <a:lnL>
+                      <a:noFill/>
+                    </a:lnL>
+                    <a:lnR>
+                      <a:noFill/>
+                    </a:lnR>
+                    <a:lnT w="12700" cmpd="sng">
+                      <a:noFill/>
+                    </a:lnT>
+                    <a:lnB w="12700" cmpd="sng">
+                      <a:noFill/>
+                    </a:lnB>
+                    <a:lnTlToBr w="12700" cmpd="sng">
+                      <a:noFill/>
+                      <a:prstDash val="solid"/>
+                    </a:lnTlToBr>
+                    <a:lnBlToTr w="12700" cmpd="sng">
+                      <a:noFill/>
+                      <a:prstDash val="solid"/>
+                    </a:lnBlToTr>
+                  </a:tcPr>
+                </a:tc>
+                <a:tc>
+                  <a:txBody>
+                    <a:bodyPr/>
+                    <a:lstStyle/>
+                    <a:p>
+                      <a:r>
+                        <a:rPr lang="en-US" sz="1600" dirty="0" smtClean="0"/>
+                        <a:t>92.20</a:t>
+                      </a:r>
+                      <a:endParaRPr lang="en-US" sz="1600" dirty="0"/>
+                    </a:p>
+                  </a:txBody>
+                  <a:tcPr>
+                    <a:lnL>
+                      <a:noFill/>
+                    </a:lnL>
+                    <a:lnR>
+                      <a:noFill/>
+                    </a:lnR>
+                    <a:lnT w="12700" cmpd="sng">
+                      <a:noFill/>
+                    </a:lnT>
+                    <a:lnB w="12700" cmpd="sng">
+                      <a:noFill/>
+                    </a:lnB>
+                    <a:lnTlToBr w="12700" cmpd="sng">
+                      <a:noFill/>
+                      <a:prstDash val="solid"/>
+                    </a:lnTlToBr>
+                    <a:lnBlToTr w="12700" cmpd="sng">
+                      <a:noFill/>
+                      <a:prstDash val="solid"/>
+                    </a:lnBlToTr>
+                    <a:solidFill>
+                      <a:srgbClr val="9EE9E8"/>
+                    </a:solidFill>
+                  </a:tcPr>
+                </a:tc>
+                <a:tc>
+                  <a:txBody>
+                    <a:bodyPr/>
+                    <a:lstStyle/>
+                    <a:p>
+                      <a:r>
+                        <a:rPr lang="en-US" sz="1600" dirty="0" smtClean="0"/>
+                        <a:t>1031.85</a:t>
+                      </a:r>
+                      <a:endParaRPr lang="en-US" sz="1600" dirty="0"/>
+                    </a:p>
+                  </a:txBody>
+                  <a:tcPr>
+                    <a:lnL>
+                      <a:noFill/>
+                    </a:lnL>
+                    <a:lnR>
+                      <a:noFill/>
+                    </a:lnR>
+                    <a:lnT w="12700" cmpd="sng">
+                      <a:noFill/>
+                    </a:lnT>
+                    <a:lnB w="12700" cmpd="sng">
+                      <a:noFill/>
+                    </a:lnB>
+                    <a:lnTlToBr w="12700" cmpd="sng">
+                      <a:noFill/>
+                      <a:prstDash val="solid"/>
+                    </a:lnTlToBr>
+                    <a:lnBlToTr w="12700" cmpd="sng">
+                      <a:noFill/>
+                      <a:prstDash val="solid"/>
+                    </a:lnBlToTr>
+                  </a:tcPr>
+                </a:tc>
+                <a:tc>
+                  <a:txBody>
+                    <a:bodyPr/>
+                    <a:lstStyle/>
+                    <a:p>
+                      <a:endParaRPr lang="en-US" sz="1600" dirty="0"/>
+                    </a:p>
+                  </a:txBody>
+                  <a:tcPr>
+                    <a:lnL>
+                      <a:noFill/>
+                    </a:lnL>
+                    <a:lnR>
+                      <a:noFill/>
+                    </a:lnR>
+                    <a:lnT w="12700" cmpd="sng">
+                      <a:noFill/>
+                    </a:lnT>
+                    <a:lnB w="12700" cmpd="sng">
+                      <a:noFill/>
+                    </a:lnB>
+                    <a:lnTlToBr w="12700" cmpd="sng">
+                      <a:noFill/>
+                      <a:prstDash val="solid"/>
+                    </a:lnTlToBr>
+                    <a:lnBlToTr w="12700" cmpd="sng">
+                      <a:noFill/>
+                      <a:prstDash val="solid"/>
+                    </a:lnBlToTr>
+                    <a:solidFill>
+                      <a:srgbClr val="9EE9E8"/>
+                    </a:solidFill>
+                  </a:tcPr>
+                </a:tc>
+                <a:tc>
+                  <a:txBody>
+                    <a:bodyPr/>
+                    <a:lstStyle/>
+                    <a:p>
+                      <a:endParaRPr lang="en-US" sz="1600" dirty="0"/>
+                    </a:p>
+                  </a:txBody>
+                  <a:tcPr>
+                    <a:lnL>
+                      <a:noFill/>
+                    </a:lnL>
+                    <a:lnR w="19050" cap="flat" cmpd="sng" algn="ctr">
+                      <a:solidFill>
+                        <a:srgbClr val="208BAC"/>
+                      </a:solidFill>
+                      <a:prstDash val="solid"/>
+                      <a:round/>
+                      <a:headEnd type="none" w="med" len="med"/>
+                      <a:tailEnd type="none" w="med" len="med"/>
+                    </a:lnR>
+                    <a:lnT w="12700" cmpd="sng">
+                      <a:noFill/>
+                    </a:lnT>
+                    <a:lnB w="12700" cmpd="sng">
+                      <a:noFill/>
+                    </a:lnB>
+                    <a:lnTlToBr w="12700" cmpd="sng">
+                      <a:noFill/>
+                      <a:prstDash val="solid"/>
+                    </a:lnTlToBr>
+                    <a:lnBlToTr w="12700" cmpd="sng">
+                      <a:noFill/>
+                      <a:prstDash val="solid"/>
+                    </a:lnBlToTr>
+                  </a:tcPr>
+                </a:tc>
+              </a:tr>
+              <a:tr h="260834">
+                <a:tc>
+                  <a:txBody>
+                    <a:bodyPr/>
+                    <a:lstStyle/>
+                    <a:p>
+                      <a:r>
+                        <a:rPr lang="en-US" sz="1600" dirty="0" smtClean="0"/>
+                        <a:t>Single</a:t>
+                      </a:r>
+                      <a:endParaRPr lang="en-US" sz="1600" dirty="0"/>
+                    </a:p>
+                  </a:txBody>
+                  <a:tcPr>
+                    <a:lnL w="19050" cap="flat" cmpd="sng" algn="ctr">
+                      <a:solidFill>
+                        <a:srgbClr val="208BAC"/>
+                      </a:solidFill>
+                      <a:prstDash val="solid"/>
+                      <a:round/>
+                      <a:headEnd type="none" w="med" len="med"/>
+                      <a:tailEnd type="none" w="med" len="med"/>
+                    </a:lnL>
+                    <a:lnR>
+                      <a:noFill/>
+                    </a:lnR>
+                    <a:lnT w="12700" cmpd="sng">
+                      <a:noFill/>
+                    </a:lnT>
+                    <a:lnB w="12700" cmpd="sng">
+                      <a:noFill/>
+                    </a:lnB>
+                    <a:lnTlToBr w="12700" cmpd="sng">
+                      <a:noFill/>
+                      <a:prstDash val="solid"/>
+                    </a:lnTlToBr>
+                    <a:lnBlToTr w="12700" cmpd="sng">
+                      <a:noFill/>
+                      <a:prstDash val="solid"/>
+                    </a:lnBlToTr>
+                  </a:tcPr>
+                </a:tc>
+                <a:tc>
+                  <a:txBody>
+                    <a:bodyPr/>
+                    <a:lstStyle/>
+                    <a:p>
+                      <a:r>
+                        <a:rPr lang="en-US" sz="1600" dirty="0" smtClean="0"/>
+                        <a:t>GEMMA</a:t>
+                      </a:r>
+                      <a:endParaRPr lang="en-US" sz="1600" dirty="0"/>
+                    </a:p>
+                  </a:txBody>
+                  <a:tcPr>
+                    <a:lnL>
+                      <a:noFill/>
+                    </a:lnL>
+                    <a:lnR>
+                      <a:noFill/>
+                    </a:lnR>
+                    <a:lnT w="12700" cmpd="sng">
+                      <a:noFill/>
+                    </a:lnT>
+                    <a:lnB w="12700" cmpd="sng">
+                      <a:noFill/>
+                    </a:lnB>
+                    <a:lnTlToBr w="12700" cmpd="sng">
+                      <a:noFill/>
+                      <a:prstDash val="solid"/>
+                    </a:lnTlToBr>
+                    <a:lnBlToTr w="12700" cmpd="sng">
+                      <a:noFill/>
+                      <a:prstDash val="solid"/>
+                    </a:lnBlToTr>
+                  </a:tcPr>
+                </a:tc>
+                <a:tc>
+                  <a:txBody>
+                    <a:bodyPr/>
+                    <a:lstStyle/>
+                    <a:p>
+                      <a:r>
+                        <a:rPr lang="en-US" sz="1600" dirty="0" smtClean="0"/>
+                        <a:t>0.02</a:t>
+                      </a:r>
+                      <a:endParaRPr lang="en-US" sz="1600" dirty="0"/>
+                    </a:p>
+                  </a:txBody>
+                  <a:tcPr>
+                    <a:lnL>
+                      <a:noFill/>
+                    </a:lnL>
+                    <a:lnR>
+                      <a:noFill/>
+                    </a:lnR>
+                    <a:lnT w="12700" cmpd="sng">
+                      <a:noFill/>
+                    </a:lnT>
+                    <a:lnB w="12700" cmpd="sng">
+                      <a:noFill/>
+                    </a:lnB>
+                    <a:lnTlToBr w="12700" cmpd="sng">
+                      <a:noFill/>
+                      <a:prstDash val="solid"/>
+                    </a:lnTlToBr>
+                    <a:lnBlToTr w="12700" cmpd="sng">
+                      <a:noFill/>
+                      <a:prstDash val="solid"/>
+                    </a:lnBlToTr>
+                    <a:solidFill>
+                      <a:srgbClr val="9EE9E8"/>
+                    </a:solidFill>
+                  </a:tcPr>
+                </a:tc>
+                <a:tc>
+                  <a:txBody>
+                    <a:bodyPr/>
+                    <a:lstStyle/>
+                    <a:p>
+                      <a:r>
+                        <a:rPr lang="en-US" sz="1600" dirty="0" smtClean="0"/>
+                        <a:t>5.02</a:t>
+                      </a:r>
+                      <a:endParaRPr lang="en-US" sz="1600" dirty="0"/>
+                    </a:p>
+                  </a:txBody>
+                  <a:tcPr>
+                    <a:lnL>
+                      <a:noFill/>
+                    </a:lnL>
+                    <a:lnR>
+                      <a:noFill/>
+                    </a:lnR>
+                    <a:lnT w="12700" cmpd="sng">
+                      <a:noFill/>
+                    </a:lnT>
+                    <a:lnB w="12700" cmpd="sng">
+                      <a:noFill/>
+                    </a:lnB>
+                    <a:lnTlToBr w="12700" cmpd="sng">
+                      <a:noFill/>
+                      <a:prstDash val="solid"/>
+                    </a:lnTlToBr>
+                    <a:lnBlToTr w="12700" cmpd="sng">
+                      <a:noFill/>
+                      <a:prstDash val="solid"/>
+                    </a:lnBlToTr>
+                  </a:tcPr>
+                </a:tc>
+                <a:tc>
+                  <a:txBody>
+                    <a:bodyPr/>
+                    <a:lstStyle/>
+                    <a:p>
+                      <a:r>
+                        <a:rPr lang="en-US" sz="1600" dirty="0" smtClean="0"/>
+                        <a:t>6.17</a:t>
+                      </a:r>
+                      <a:endParaRPr lang="en-US" sz="1600" dirty="0"/>
+                    </a:p>
+                  </a:txBody>
+                  <a:tcPr>
+                    <a:lnL>
+                      <a:noFill/>
+                    </a:lnL>
+                    <a:lnR>
+                      <a:noFill/>
+                    </a:lnR>
+                    <a:lnT w="12700" cmpd="sng">
+                      <a:noFill/>
+                    </a:lnT>
+                    <a:lnB w="12700" cmpd="sng">
+                      <a:noFill/>
+                    </a:lnB>
+                    <a:lnTlToBr w="12700" cmpd="sng">
+                      <a:noFill/>
+                      <a:prstDash val="solid"/>
+                    </a:lnTlToBr>
+                    <a:lnBlToTr w="12700" cmpd="sng">
+                      <a:noFill/>
+                      <a:prstDash val="solid"/>
+                    </a:lnBlToTr>
+                    <a:solidFill>
+                      <a:srgbClr val="9EE9E8"/>
+                    </a:solidFill>
+                  </a:tcPr>
+                </a:tc>
+                <a:tc>
+                  <a:txBody>
+                    <a:bodyPr/>
+                    <a:lstStyle/>
+                    <a:p>
+                      <a:r>
+                        <a:rPr lang="en-US" sz="1600" dirty="0" smtClean="0"/>
+                        <a:t>84.83</a:t>
+                      </a:r>
+                      <a:endParaRPr lang="en-US" sz="1600" dirty="0"/>
+                    </a:p>
+                  </a:txBody>
+                  <a:tcPr>
+                    <a:lnL>
+                      <a:noFill/>
+                    </a:lnL>
+                    <a:lnR>
+                      <a:noFill/>
+                    </a:lnR>
+                    <a:lnT w="12700" cmpd="sng">
+                      <a:noFill/>
+                    </a:lnT>
+                    <a:lnB w="12700" cmpd="sng">
+                      <a:noFill/>
+                    </a:lnB>
+                    <a:lnTlToBr w="12700" cmpd="sng">
+                      <a:noFill/>
+                      <a:prstDash val="solid"/>
+                    </a:lnTlToBr>
+                    <a:lnBlToTr w="12700" cmpd="sng">
+                      <a:noFill/>
+                      <a:prstDash val="solid"/>
+                    </a:lnBlToTr>
+                  </a:tcPr>
+                </a:tc>
+                <a:tc>
+                  <a:txBody>
+                    <a:bodyPr/>
+                    <a:lstStyle/>
+                    <a:p>
+                      <a:r>
+                        <a:rPr lang="en-US" sz="1600" dirty="0" smtClean="0"/>
+                        <a:t>723.33</a:t>
+                      </a:r>
+                      <a:endParaRPr lang="en-US" sz="1600" dirty="0"/>
+                    </a:p>
+                  </a:txBody>
+                  <a:tcPr>
+                    <a:lnL>
+                      <a:noFill/>
+                    </a:lnL>
+                    <a:lnR>
+                      <a:noFill/>
+                    </a:lnR>
+                    <a:lnT w="12700" cmpd="sng">
+                      <a:noFill/>
+                    </a:lnT>
+                    <a:lnB w="12700" cmpd="sng">
+                      <a:noFill/>
+                    </a:lnB>
+                    <a:lnTlToBr w="12700" cmpd="sng">
+                      <a:noFill/>
+                      <a:prstDash val="solid"/>
+                    </a:lnTlToBr>
+                    <a:lnBlToTr w="12700" cmpd="sng">
+                      <a:noFill/>
+                      <a:prstDash val="solid"/>
+                    </a:lnBlToTr>
+                    <a:solidFill>
+                      <a:srgbClr val="9EE9E8"/>
+                    </a:solidFill>
+                  </a:tcPr>
+                </a:tc>
+                <a:tc>
+                  <a:txBody>
+                    <a:bodyPr/>
+                    <a:lstStyle/>
+                    <a:p>
+                      <a:r>
+                        <a:rPr lang="en-US" sz="1600" dirty="0" smtClean="0"/>
+                        <a:t>4071.60</a:t>
+                      </a:r>
+                      <a:endParaRPr lang="en-US" sz="1600" dirty="0"/>
+                    </a:p>
+                  </a:txBody>
+                  <a:tcPr>
+                    <a:lnL>
+                      <a:noFill/>
+                    </a:lnL>
+                    <a:lnR w="19050" cap="flat" cmpd="sng" algn="ctr">
+                      <a:solidFill>
+                        <a:srgbClr val="208BAC"/>
+                      </a:solidFill>
+                      <a:prstDash val="solid"/>
+                      <a:round/>
+                      <a:headEnd type="none" w="med" len="med"/>
+                      <a:tailEnd type="none" w="med" len="med"/>
+                    </a:lnR>
+                    <a:lnT w="12700" cmpd="sng">
+                      <a:noFill/>
+                    </a:lnT>
+                    <a:lnB w="12700" cmpd="sng">
+                      <a:noFill/>
+                    </a:lnB>
+                    <a:lnTlToBr w="12700" cmpd="sng">
+                      <a:noFill/>
+                      <a:prstDash val="solid"/>
+                    </a:lnTlToBr>
+                    <a:lnBlToTr w="12700" cmpd="sng">
+                      <a:noFill/>
+                      <a:prstDash val="solid"/>
+                    </a:lnBlToTr>
+                  </a:tcPr>
+                </a:tc>
+              </a:tr>
+              <a:tr h="260834">
+                <a:tc>
+                  <a:txBody>
+                    <a:bodyPr/>
+                    <a:lstStyle/>
+                    <a:p>
+                      <a:endParaRPr lang="en-US" sz="1600" dirty="0"/>
+                    </a:p>
+                  </a:txBody>
+                  <a:tcPr>
+                    <a:lnL w="19050" cap="flat" cmpd="sng" algn="ctr">
+                      <a:solidFill>
+                        <a:srgbClr val="208BAC"/>
+                      </a:solidFill>
+                      <a:prstDash val="solid"/>
+                      <a:round/>
+                      <a:headEnd type="none" w="med" len="med"/>
+                      <a:tailEnd type="none" w="med" len="med"/>
+                    </a:lnL>
+                    <a:lnR>
+                      <a:noFill/>
+                    </a:lnR>
+                    <a:lnT w="12700" cmpd="sng">
+                      <a:noFill/>
+                    </a:lnT>
+                    <a:lnB w="12700" cmpd="sng">
+                      <a:noFill/>
+                    </a:lnB>
+                    <a:lnTlToBr w="12700" cmpd="sng">
+                      <a:noFill/>
+                      <a:prstDash val="solid"/>
+                    </a:lnTlToBr>
+                    <a:lnBlToTr w="12700" cmpd="sng">
+                      <a:noFill/>
+                      <a:prstDash val="solid"/>
+                    </a:lnBlToTr>
+                  </a:tcPr>
+                </a:tc>
+                <a:tc>
+                  <a:txBody>
+                    <a:bodyPr/>
+                    <a:lstStyle/>
+                    <a:p>
+                      <a:r>
+                        <a:rPr lang="en-US" sz="1600" dirty="0" err="1" smtClean="0"/>
+                        <a:t>FaST-LMM</a:t>
+                      </a:r>
+                      <a:r>
+                        <a:rPr lang="en-US" sz="1600" baseline="30000" dirty="0" err="1" smtClean="0"/>
+                        <a:t>few</a:t>
+                      </a:r>
+                      <a:endParaRPr lang="en-US" sz="1600" dirty="0"/>
+                    </a:p>
+                  </a:txBody>
+                  <a:tcPr>
+                    <a:lnL>
+                      <a:noFill/>
+                    </a:lnL>
+                    <a:lnR>
+                      <a:noFill/>
+                    </a:lnR>
+                    <a:lnT w="12700" cmpd="sng">
+                      <a:noFill/>
+                    </a:lnT>
+                    <a:lnB w="12700" cmpd="sng">
+                      <a:noFill/>
+                    </a:lnB>
+                    <a:lnTlToBr w="12700" cmpd="sng">
+                      <a:noFill/>
+                      <a:prstDash val="solid"/>
+                    </a:lnTlToBr>
+                    <a:lnBlToTr w="12700" cmpd="sng">
+                      <a:noFill/>
+                      <a:prstDash val="solid"/>
+                    </a:lnBlToTr>
+                  </a:tcPr>
+                </a:tc>
+                <a:tc>
+                  <a:txBody>
+                    <a:bodyPr/>
+                    <a:lstStyle/>
+                    <a:p>
+                      <a:r>
+                        <a:rPr lang="en-US" sz="1600" b="1" dirty="0" smtClean="0">
+                          <a:solidFill>
+                            <a:srgbClr val="3366FF"/>
+                          </a:solidFill>
+                        </a:rPr>
+                        <a:t>0.01</a:t>
+                      </a:r>
+                      <a:endParaRPr lang="en-US" sz="1600" b="1" dirty="0">
+                        <a:solidFill>
+                          <a:srgbClr val="3366FF"/>
+                        </a:solidFill>
+                      </a:endParaRPr>
+                    </a:p>
+                  </a:txBody>
+                  <a:tcPr>
+                    <a:lnL>
+                      <a:noFill/>
+                    </a:lnL>
+                    <a:lnR>
+                      <a:noFill/>
+                    </a:lnR>
+                    <a:lnT w="12700" cmpd="sng">
+                      <a:noFill/>
+                    </a:lnT>
+                    <a:lnB w="12700" cmpd="sng">
+                      <a:noFill/>
+                    </a:lnB>
+                    <a:lnTlToBr w="12700" cmpd="sng">
+                      <a:noFill/>
+                      <a:prstDash val="solid"/>
+                    </a:lnTlToBr>
+                    <a:lnBlToTr w="12700" cmpd="sng">
+                      <a:noFill/>
+                      <a:prstDash val="solid"/>
+                    </a:lnBlToTr>
+                    <a:solidFill>
+                      <a:srgbClr val="9EE9E8"/>
+                    </a:solidFill>
+                  </a:tcPr>
+                </a:tc>
+                <a:tc>
+                  <a:txBody>
+                    <a:bodyPr/>
+                    <a:lstStyle/>
+                    <a:p>
+                      <a:r>
+                        <a:rPr lang="en-US" sz="1600" b="1" dirty="0" smtClean="0">
+                          <a:solidFill>
+                            <a:srgbClr val="3366FF"/>
+                          </a:solidFill>
+                        </a:rPr>
+                        <a:t>0.80</a:t>
+                      </a:r>
+                      <a:endParaRPr lang="en-US" sz="1600" b="1" dirty="0">
+                        <a:solidFill>
+                          <a:srgbClr val="3366FF"/>
+                        </a:solidFill>
+                      </a:endParaRPr>
+                    </a:p>
+                  </a:txBody>
+                  <a:tcPr>
+                    <a:lnL>
+                      <a:noFill/>
+                    </a:lnL>
+                    <a:lnR>
+                      <a:noFill/>
+                    </a:lnR>
+                    <a:lnT w="12700" cmpd="sng">
+                      <a:noFill/>
+                    </a:lnT>
+                    <a:lnB w="12700" cmpd="sng">
+                      <a:noFill/>
+                    </a:lnB>
+                    <a:lnTlToBr w="12700" cmpd="sng">
+                      <a:noFill/>
+                      <a:prstDash val="solid"/>
+                    </a:lnTlToBr>
+                    <a:lnBlToTr w="12700" cmpd="sng">
+                      <a:noFill/>
+                      <a:prstDash val="solid"/>
+                    </a:lnBlToTr>
+                  </a:tcPr>
+                </a:tc>
+                <a:tc>
+                  <a:txBody>
+                    <a:bodyPr/>
+                    <a:lstStyle/>
+                    <a:p>
+                      <a:r>
+                        <a:rPr lang="en-US" sz="1600" dirty="0" smtClean="0"/>
+                        <a:t>7.07</a:t>
+                      </a:r>
+                      <a:endParaRPr lang="en-US" sz="1600" dirty="0"/>
+                    </a:p>
+                  </a:txBody>
+                  <a:tcPr>
+                    <a:lnL>
+                      <a:noFill/>
+                    </a:lnL>
+                    <a:lnR>
+                      <a:noFill/>
+                    </a:lnR>
+                    <a:lnT w="12700" cmpd="sng">
+                      <a:noFill/>
+                    </a:lnT>
+                    <a:lnB w="12700" cmpd="sng">
+                      <a:noFill/>
+                    </a:lnB>
+                    <a:lnTlToBr w="12700" cmpd="sng">
+                      <a:noFill/>
+                      <a:prstDash val="solid"/>
+                    </a:lnTlToBr>
+                    <a:lnBlToTr w="12700" cmpd="sng">
+                      <a:noFill/>
+                      <a:prstDash val="solid"/>
+                    </a:lnBlToTr>
+                    <a:solidFill>
+                      <a:srgbClr val="9EE9E8"/>
+                    </a:solidFill>
+                  </a:tcPr>
+                </a:tc>
+                <a:tc>
+                  <a:txBody>
+                    <a:bodyPr/>
+                    <a:lstStyle/>
+                    <a:p>
+                      <a:r>
+                        <a:rPr lang="en-US" sz="1600" dirty="0" smtClean="0"/>
+                        <a:t>20.16</a:t>
+                      </a:r>
+                      <a:endParaRPr lang="en-US" sz="1600" dirty="0"/>
+                    </a:p>
+                  </a:txBody>
+                  <a:tcPr>
+                    <a:lnL>
+                      <a:noFill/>
+                    </a:lnL>
+                    <a:lnR>
+                      <a:noFill/>
+                    </a:lnR>
+                    <a:lnT w="12700" cmpd="sng">
+                      <a:noFill/>
+                    </a:lnT>
+                    <a:lnB w="12700" cmpd="sng">
+                      <a:noFill/>
+                    </a:lnB>
+                    <a:lnTlToBr w="12700" cmpd="sng">
+                      <a:noFill/>
+                      <a:prstDash val="solid"/>
+                    </a:lnTlToBr>
+                    <a:lnBlToTr w="12700" cmpd="sng">
+                      <a:noFill/>
+                      <a:prstDash val="solid"/>
+                    </a:lnBlToTr>
+                  </a:tcPr>
+                </a:tc>
+                <a:tc>
+                  <a:txBody>
+                    <a:bodyPr/>
+                    <a:lstStyle/>
+                    <a:p>
+                      <a:r>
+                        <a:rPr lang="en-US" sz="1600" dirty="0" smtClean="0"/>
+                        <a:t>193.90</a:t>
+                      </a:r>
+                      <a:endParaRPr lang="en-US" sz="1600" dirty="0"/>
+                    </a:p>
+                  </a:txBody>
+                  <a:tcPr>
+                    <a:lnL>
+                      <a:noFill/>
+                    </a:lnL>
+                    <a:lnR>
+                      <a:noFill/>
+                    </a:lnR>
+                    <a:lnT w="12700" cmpd="sng">
+                      <a:noFill/>
+                    </a:lnT>
+                    <a:lnB w="12700" cmpd="sng">
+                      <a:noFill/>
+                    </a:lnB>
+                    <a:lnTlToBr w="12700" cmpd="sng">
+                      <a:noFill/>
+                      <a:prstDash val="solid"/>
+                    </a:lnTlToBr>
+                    <a:lnBlToTr w="12700" cmpd="sng">
+                      <a:noFill/>
+                      <a:prstDash val="solid"/>
+                    </a:lnBlToTr>
+                    <a:solidFill>
+                      <a:srgbClr val="9EE9E8"/>
+                    </a:solidFill>
+                  </a:tcPr>
+                </a:tc>
+                <a:tc>
+                  <a:txBody>
+                    <a:bodyPr/>
+                    <a:lstStyle/>
+                    <a:p>
+                      <a:r>
+                        <a:rPr lang="en-US" sz="1600" b="1" dirty="0" smtClean="0">
+                          <a:solidFill>
+                            <a:srgbClr val="3366FF"/>
+                          </a:solidFill>
+                        </a:rPr>
+                        <a:t>346.19</a:t>
+                      </a:r>
+                      <a:endParaRPr lang="en-US" sz="1600" b="1" dirty="0">
+                        <a:solidFill>
+                          <a:srgbClr val="3366FF"/>
+                        </a:solidFill>
+                      </a:endParaRPr>
+                    </a:p>
+                  </a:txBody>
+                  <a:tcPr>
+                    <a:lnL>
+                      <a:noFill/>
+                    </a:lnL>
+                    <a:lnR w="19050" cap="flat" cmpd="sng" algn="ctr">
+                      <a:solidFill>
+                        <a:srgbClr val="208BAC"/>
+                      </a:solidFill>
+                      <a:prstDash val="solid"/>
+                      <a:round/>
+                      <a:headEnd type="none" w="med" len="med"/>
+                      <a:tailEnd type="none" w="med" len="med"/>
+                    </a:lnR>
+                    <a:lnT w="12700" cmpd="sng">
+                      <a:noFill/>
+                    </a:lnT>
+                    <a:lnB w="12700" cmpd="sng">
+                      <a:noFill/>
+                    </a:lnB>
+                    <a:lnTlToBr w="12700" cmpd="sng">
+                      <a:noFill/>
+                      <a:prstDash val="solid"/>
+                    </a:lnTlToBr>
+                    <a:lnBlToTr w="12700" cmpd="sng">
+                      <a:noFill/>
+                      <a:prstDash val="solid"/>
+                    </a:lnBlToTr>
+                  </a:tcPr>
+                </a:tc>
+              </a:tr>
+              <a:tr h="260834">
+                <a:tc>
+                  <a:txBody>
+                    <a:bodyPr/>
+                    <a:lstStyle/>
+                    <a:p>
+                      <a:endParaRPr lang="en-US" sz="1600" dirty="0"/>
+                    </a:p>
+                  </a:txBody>
+                  <a:tcPr>
+                    <a:lnL w="19050" cap="flat" cmpd="sng" algn="ctr">
+                      <a:solidFill>
+                        <a:srgbClr val="208BAC"/>
+                      </a:solidFill>
+                      <a:prstDash val="solid"/>
+                      <a:round/>
+                      <a:headEnd type="none" w="med" len="med"/>
+                      <a:tailEnd type="none" w="med" len="med"/>
+                    </a:lnL>
+                    <a:lnR>
+                      <a:noFill/>
+                    </a:lnR>
+                    <a:lnT w="12700" cmpd="sng">
+                      <a:noFill/>
+                    </a:lnT>
+                    <a:lnB w="19050" cap="flat" cmpd="sng" algn="ctr">
+                      <a:solidFill>
+                        <a:srgbClr val="208BAC"/>
+                      </a:solidFill>
+                      <a:prstDash val="solid"/>
+                      <a:round/>
+                      <a:headEnd type="none" w="med" len="med"/>
+                      <a:tailEnd type="none" w="med" len="med"/>
+                    </a:lnB>
+                    <a:lnTlToBr w="12700" cmpd="sng">
+                      <a:noFill/>
+                      <a:prstDash val="solid"/>
+                    </a:lnTlToBr>
+                    <a:lnBlToTr w="12700" cmpd="sng">
+                      <a:noFill/>
+                      <a:prstDash val="solid"/>
+                    </a:lnBlToTr>
+                  </a:tcPr>
+                </a:tc>
+                <a:tc>
+                  <a:txBody>
+                    <a:bodyPr/>
+                    <a:lstStyle/>
+                    <a:p>
+                      <a:r>
+                        <a:rPr lang="en-US" sz="1600" dirty="0" err="1" smtClean="0"/>
+                        <a:t>FaST-LMM</a:t>
+                      </a:r>
+                      <a:r>
+                        <a:rPr lang="en-US" sz="1600" baseline="30000" dirty="0" err="1" smtClean="0"/>
+                        <a:t>all</a:t>
+                      </a:r>
+                      <a:endParaRPr lang="en-US" sz="1600" dirty="0"/>
+                    </a:p>
+                  </a:txBody>
+                  <a:tcPr>
+                    <a:lnL>
+                      <a:noFill/>
+                    </a:lnL>
+                    <a:lnR>
+                      <a:noFill/>
+                    </a:lnR>
+                    <a:lnT w="12700" cmpd="sng">
+                      <a:noFill/>
+                    </a:lnT>
+                    <a:lnB w="19050" cap="flat" cmpd="sng" algn="ctr">
+                      <a:solidFill>
+                        <a:srgbClr val="208BAC"/>
+                      </a:solidFill>
+                      <a:prstDash val="solid"/>
+                      <a:round/>
+                      <a:headEnd type="none" w="med" len="med"/>
+                      <a:tailEnd type="none" w="med" len="med"/>
+                    </a:lnB>
+                    <a:lnTlToBr w="12700" cmpd="sng">
+                      <a:noFill/>
+                      <a:prstDash val="solid"/>
+                    </a:lnTlToBr>
+                    <a:lnBlToTr w="12700" cmpd="sng">
+                      <a:noFill/>
+                      <a:prstDash val="solid"/>
+                    </a:lnBlToTr>
+                  </a:tcPr>
+                </a:tc>
+                <a:tc>
+                  <a:txBody>
+                    <a:bodyPr/>
+                    <a:lstStyle/>
+                    <a:p>
+                      <a:r>
+                        <a:rPr lang="en-US" sz="1600" dirty="0" smtClean="0"/>
+                        <a:t>0.03</a:t>
+                      </a:r>
+                      <a:endParaRPr lang="en-US" sz="1600" dirty="0"/>
+                    </a:p>
+                  </a:txBody>
+                  <a:tcPr>
+                    <a:lnL>
+                      <a:noFill/>
+                    </a:lnL>
+                    <a:lnR>
+                      <a:noFill/>
+                    </a:lnR>
+                    <a:lnT w="12700" cmpd="sng">
+                      <a:noFill/>
+                    </a:lnT>
+                    <a:lnB w="19050" cap="flat" cmpd="sng" algn="ctr">
+                      <a:solidFill>
+                        <a:srgbClr val="208BAC"/>
+                      </a:solidFill>
+                      <a:prstDash val="solid"/>
+                      <a:round/>
+                      <a:headEnd type="none" w="med" len="med"/>
+                      <a:tailEnd type="none" w="med" len="med"/>
+                    </a:lnB>
+                    <a:lnTlToBr w="12700" cmpd="sng">
+                      <a:noFill/>
+                      <a:prstDash val="solid"/>
+                    </a:lnTlToBr>
+                    <a:lnBlToTr w="12700" cmpd="sng">
+                      <a:noFill/>
+                      <a:prstDash val="solid"/>
+                    </a:lnBlToTr>
+                    <a:solidFill>
+                      <a:srgbClr val="9EE9E8"/>
+                    </a:solidFill>
+                  </a:tcPr>
+                </a:tc>
+                <a:tc>
+                  <a:txBody>
+                    <a:bodyPr/>
+                    <a:lstStyle/>
+                    <a:p>
+                      <a:r>
+                        <a:rPr lang="en-US" sz="1600" dirty="0" smtClean="0"/>
+                        <a:t>2.96</a:t>
+                      </a:r>
+                      <a:endParaRPr lang="en-US" sz="1600" dirty="0"/>
+                    </a:p>
+                  </a:txBody>
+                  <a:tcPr>
+                    <a:lnL>
+                      <a:noFill/>
+                    </a:lnL>
+                    <a:lnR>
+                      <a:noFill/>
+                    </a:lnR>
+                    <a:lnT w="12700" cmpd="sng">
+                      <a:noFill/>
+                    </a:lnT>
+                    <a:lnB w="19050" cap="flat" cmpd="sng" algn="ctr">
+                      <a:solidFill>
+                        <a:srgbClr val="208BAC"/>
+                      </a:solidFill>
+                      <a:prstDash val="solid"/>
+                      <a:round/>
+                      <a:headEnd type="none" w="med" len="med"/>
+                      <a:tailEnd type="none" w="med" len="med"/>
+                    </a:lnB>
+                    <a:lnTlToBr w="12700" cmpd="sng">
+                      <a:noFill/>
+                      <a:prstDash val="solid"/>
+                    </a:lnTlToBr>
+                    <a:lnBlToTr w="12700" cmpd="sng">
+                      <a:noFill/>
+                      <a:prstDash val="solid"/>
+                    </a:lnBlToTr>
+                  </a:tcPr>
+                </a:tc>
+                <a:tc>
+                  <a:txBody>
+                    <a:bodyPr/>
+                    <a:lstStyle/>
+                    <a:p>
+                      <a:r>
+                        <a:rPr lang="en-US" sz="1600" dirty="0" smtClean="0"/>
+                        <a:t>7.90</a:t>
+                      </a:r>
+                      <a:endParaRPr lang="en-US" sz="1600" dirty="0"/>
+                    </a:p>
+                  </a:txBody>
+                  <a:tcPr>
+                    <a:lnL>
+                      <a:noFill/>
+                    </a:lnL>
+                    <a:lnR>
+                      <a:noFill/>
+                    </a:lnR>
+                    <a:lnT w="12700" cmpd="sng">
+                      <a:noFill/>
+                    </a:lnT>
+                    <a:lnB w="19050" cap="flat" cmpd="sng" algn="ctr">
+                      <a:solidFill>
+                        <a:srgbClr val="208BAC"/>
+                      </a:solidFill>
+                      <a:prstDash val="solid"/>
+                      <a:round/>
+                      <a:headEnd type="none" w="med" len="med"/>
+                      <a:tailEnd type="none" w="med" len="med"/>
+                    </a:lnB>
+                    <a:lnTlToBr w="12700" cmpd="sng">
+                      <a:noFill/>
+                      <a:prstDash val="solid"/>
+                    </a:lnTlToBr>
+                    <a:lnBlToTr w="12700" cmpd="sng">
+                      <a:noFill/>
+                      <a:prstDash val="solid"/>
+                    </a:lnBlToTr>
+                    <a:solidFill>
+                      <a:srgbClr val="9EE9E8"/>
+                    </a:solidFill>
+                  </a:tcPr>
+                </a:tc>
+                <a:tc>
+                  <a:txBody>
+                    <a:bodyPr/>
+                    <a:lstStyle/>
+                    <a:p>
+                      <a:r>
+                        <a:rPr lang="en-US" sz="1600" dirty="0" smtClean="0"/>
+                        <a:t>41.27</a:t>
+                      </a:r>
+                      <a:endParaRPr lang="en-US" sz="1600" dirty="0"/>
+                    </a:p>
+                  </a:txBody>
+                  <a:tcPr>
+                    <a:lnL>
+                      <a:noFill/>
+                    </a:lnL>
+                    <a:lnR>
+                      <a:noFill/>
+                    </a:lnR>
+                    <a:lnT w="12700" cmpd="sng">
+                      <a:noFill/>
+                    </a:lnT>
+                    <a:lnB w="19050" cap="flat" cmpd="sng" algn="ctr">
+                      <a:solidFill>
+                        <a:srgbClr val="208BAC"/>
+                      </a:solidFill>
+                      <a:prstDash val="solid"/>
+                      <a:round/>
+                      <a:headEnd type="none" w="med" len="med"/>
+                      <a:tailEnd type="none" w="med" len="med"/>
+                    </a:lnB>
+                    <a:lnTlToBr w="12700" cmpd="sng">
+                      <a:noFill/>
+                      <a:prstDash val="solid"/>
+                    </a:lnTlToBr>
+                    <a:lnBlToTr w="12700" cmpd="sng">
+                      <a:noFill/>
+                      <a:prstDash val="solid"/>
+                    </a:lnBlToTr>
+                  </a:tcPr>
+                </a:tc>
+                <a:tc>
+                  <a:txBody>
+                    <a:bodyPr/>
+                    <a:lstStyle/>
+                    <a:p>
+                      <a:endParaRPr lang="en-US" sz="1600" dirty="0"/>
+                    </a:p>
+                  </a:txBody>
+                  <a:tcPr>
+                    <a:lnL>
+                      <a:noFill/>
+                    </a:lnL>
+                    <a:lnR>
+                      <a:noFill/>
+                    </a:lnR>
+                    <a:lnT w="12700" cmpd="sng">
+                      <a:noFill/>
+                    </a:lnT>
+                    <a:lnB w="19050" cap="flat" cmpd="sng" algn="ctr">
+                      <a:solidFill>
+                        <a:srgbClr val="208BAC"/>
+                      </a:solidFill>
+                      <a:prstDash val="solid"/>
+                      <a:round/>
+                      <a:headEnd type="none" w="med" len="med"/>
+                      <a:tailEnd type="none" w="med" len="med"/>
+                    </a:lnB>
+                    <a:lnTlToBr w="12700" cmpd="sng">
+                      <a:noFill/>
+                      <a:prstDash val="solid"/>
+                    </a:lnTlToBr>
+                    <a:lnBlToTr w="12700" cmpd="sng">
+                      <a:noFill/>
+                      <a:prstDash val="solid"/>
+                    </a:lnBlToTr>
+                    <a:solidFill>
+                      <a:srgbClr val="9EE9E8"/>
+                    </a:solidFill>
+                  </a:tcPr>
+                </a:tc>
+                <a:tc>
+                  <a:txBody>
+                    <a:bodyPr/>
+                    <a:lstStyle/>
+                    <a:p>
+                      <a:endParaRPr lang="en-US" sz="1600" dirty="0"/>
+                    </a:p>
+                  </a:txBody>
+                  <a:tcPr>
+                    <a:lnL>
+                      <a:noFill/>
+                    </a:lnL>
+                    <a:lnR w="19050" cap="flat" cmpd="sng" algn="ctr">
+                      <a:solidFill>
+                        <a:srgbClr val="208BAC"/>
+                      </a:solidFill>
+                      <a:prstDash val="solid"/>
+                      <a:round/>
+                      <a:headEnd type="none" w="med" len="med"/>
+                      <a:tailEnd type="none" w="med" len="med"/>
+                    </a:lnR>
+                    <a:lnT w="12700" cmpd="sng">
+                      <a:noFill/>
+                    </a:lnT>
+                    <a:lnB w="19050" cap="flat" cmpd="sng" algn="ctr">
+                      <a:solidFill>
+                        <a:srgbClr val="208BAC"/>
+                      </a:solidFill>
+                      <a:prstDash val="solid"/>
+                      <a:round/>
+                      <a:headEnd type="none" w="med" len="med"/>
+                      <a:tailEnd type="none" w="med" len="med"/>
+                    </a:lnB>
+                    <a:lnTlToBr w="12700" cmpd="sng">
+                      <a:noFill/>
+                      <a:prstDash val="solid"/>
+                    </a:lnTlToBr>
+                    <a:lnBlToTr w="12700" cmpd="sng">
+                      <a:noFill/>
+                      <a:prstDash val="solid"/>
+                    </a:lnBlToTr>
+                  </a:tcPr>
+                </a:tc>
+              </a:tr>
+            </a:tbl>
+          </a:graphicData>
+        </a:graphic>
+      </p:graphicFrame>
+    </p:spTree>
+    <p:extLst>
+      <p:ext uri="{BB962C8B-B14F-4D97-AF65-F5344CB8AC3E}">
+        <p14:creationId xmlns:p14="http://schemas.microsoft.com/office/powerpoint/2010/main" val="985604507"/>
       </p:ext>
     </p:extLst>
   </p:cSld>
